--- a/Files/6. Better Credit Bureau - Shivam.pptx
+++ b/Files/6. Better Credit Bureau - Shivam.pptx
@@ -57,7 +57,7 @@
         <a:uFillTx/>
       </a:defRPr>
     </a:defPPr>
-    <a:lvl1pPr marL="0" marR="0" indent="0" algn="ctr" defTabSz="2438338" rtl="0" fontAlgn="auto" latinLnBrk="0" hangingPunct="0">
+    <a:lvl1pPr marL="0" marR="0" indent="0" algn="ctr" defTabSz="2438337" rtl="0" fontAlgn="auto" latinLnBrk="0" hangingPunct="0">
       <a:lnSpc>
         <a:spcPct val="100000"/>
       </a:lnSpc>
@@ -81,13 +81,13 @@
         </a:solidFill>
         <a:effectLst/>
         <a:uFillTx/>
-        <a:latin typeface="+mn-lt"/>
-        <a:ea typeface="+mn-ea"/>
-        <a:cs typeface="+mn-cs"/>
+        <a:latin typeface="+mj-lt"/>
+        <a:ea typeface="+mj-ea"/>
+        <a:cs typeface="+mj-cs"/>
         <a:sym typeface="Helvetica Neue"/>
       </a:defRPr>
     </a:lvl1pPr>
-    <a:lvl2pPr marL="0" marR="0" indent="457200" algn="ctr" defTabSz="2438338" rtl="0" fontAlgn="auto" latinLnBrk="0" hangingPunct="0">
+    <a:lvl2pPr marL="0" marR="0" indent="0" algn="ctr" defTabSz="2438337" rtl="0" fontAlgn="auto" latinLnBrk="0" hangingPunct="0">
       <a:lnSpc>
         <a:spcPct val="100000"/>
       </a:lnSpc>
@@ -111,13 +111,13 @@
         </a:solidFill>
         <a:effectLst/>
         <a:uFillTx/>
-        <a:latin typeface="+mn-lt"/>
-        <a:ea typeface="+mn-ea"/>
-        <a:cs typeface="+mn-cs"/>
+        <a:latin typeface="+mj-lt"/>
+        <a:ea typeface="+mj-ea"/>
+        <a:cs typeface="+mj-cs"/>
         <a:sym typeface="Helvetica Neue"/>
       </a:defRPr>
     </a:lvl2pPr>
-    <a:lvl3pPr marL="0" marR="0" indent="914400" algn="ctr" defTabSz="2438338" rtl="0" fontAlgn="auto" latinLnBrk="0" hangingPunct="0">
+    <a:lvl3pPr marL="0" marR="0" indent="0" algn="ctr" defTabSz="2438337" rtl="0" fontAlgn="auto" latinLnBrk="0" hangingPunct="0">
       <a:lnSpc>
         <a:spcPct val="100000"/>
       </a:lnSpc>
@@ -141,13 +141,13 @@
         </a:solidFill>
         <a:effectLst/>
         <a:uFillTx/>
-        <a:latin typeface="+mn-lt"/>
-        <a:ea typeface="+mn-ea"/>
-        <a:cs typeface="+mn-cs"/>
+        <a:latin typeface="+mj-lt"/>
+        <a:ea typeface="+mj-ea"/>
+        <a:cs typeface="+mj-cs"/>
         <a:sym typeface="Helvetica Neue"/>
       </a:defRPr>
     </a:lvl3pPr>
-    <a:lvl4pPr marL="0" marR="0" indent="1371600" algn="ctr" defTabSz="2438338" rtl="0" fontAlgn="auto" latinLnBrk="0" hangingPunct="0">
+    <a:lvl4pPr marL="0" marR="0" indent="0" algn="ctr" defTabSz="2438337" rtl="0" fontAlgn="auto" latinLnBrk="0" hangingPunct="0">
       <a:lnSpc>
         <a:spcPct val="100000"/>
       </a:lnSpc>
@@ -171,13 +171,13 @@
         </a:solidFill>
         <a:effectLst/>
         <a:uFillTx/>
-        <a:latin typeface="+mn-lt"/>
-        <a:ea typeface="+mn-ea"/>
-        <a:cs typeface="+mn-cs"/>
+        <a:latin typeface="+mj-lt"/>
+        <a:ea typeface="+mj-ea"/>
+        <a:cs typeface="+mj-cs"/>
         <a:sym typeface="Helvetica Neue"/>
       </a:defRPr>
     </a:lvl4pPr>
-    <a:lvl5pPr marL="0" marR="0" indent="1828800" algn="ctr" defTabSz="2438338" rtl="0" fontAlgn="auto" latinLnBrk="0" hangingPunct="0">
+    <a:lvl5pPr marL="0" marR="0" indent="0" algn="ctr" defTabSz="2438337" rtl="0" fontAlgn="auto" latinLnBrk="0" hangingPunct="0">
       <a:lnSpc>
         <a:spcPct val="100000"/>
       </a:lnSpc>
@@ -201,13 +201,13 @@
         </a:solidFill>
         <a:effectLst/>
         <a:uFillTx/>
-        <a:latin typeface="+mn-lt"/>
-        <a:ea typeface="+mn-ea"/>
-        <a:cs typeface="+mn-cs"/>
+        <a:latin typeface="+mj-lt"/>
+        <a:ea typeface="+mj-ea"/>
+        <a:cs typeface="+mj-cs"/>
         <a:sym typeface="Helvetica Neue"/>
       </a:defRPr>
     </a:lvl5pPr>
-    <a:lvl6pPr marL="0" marR="0" indent="2286000" algn="ctr" defTabSz="2438338" rtl="0" fontAlgn="auto" latinLnBrk="0" hangingPunct="0">
+    <a:lvl6pPr marL="0" marR="0" indent="0" algn="ctr" defTabSz="2438337" rtl="0" fontAlgn="auto" latinLnBrk="0" hangingPunct="0">
       <a:lnSpc>
         <a:spcPct val="100000"/>
       </a:lnSpc>
@@ -231,13 +231,13 @@
         </a:solidFill>
         <a:effectLst/>
         <a:uFillTx/>
-        <a:latin typeface="+mn-lt"/>
-        <a:ea typeface="+mn-ea"/>
-        <a:cs typeface="+mn-cs"/>
+        <a:latin typeface="+mj-lt"/>
+        <a:ea typeface="+mj-ea"/>
+        <a:cs typeface="+mj-cs"/>
         <a:sym typeface="Helvetica Neue"/>
       </a:defRPr>
     </a:lvl6pPr>
-    <a:lvl7pPr marL="0" marR="0" indent="2743200" algn="ctr" defTabSz="2438338" rtl="0" fontAlgn="auto" latinLnBrk="0" hangingPunct="0">
+    <a:lvl7pPr marL="0" marR="0" indent="0" algn="ctr" defTabSz="2438337" rtl="0" fontAlgn="auto" latinLnBrk="0" hangingPunct="0">
       <a:lnSpc>
         <a:spcPct val="100000"/>
       </a:lnSpc>
@@ -261,13 +261,13 @@
         </a:solidFill>
         <a:effectLst/>
         <a:uFillTx/>
-        <a:latin typeface="+mn-lt"/>
-        <a:ea typeface="+mn-ea"/>
-        <a:cs typeface="+mn-cs"/>
+        <a:latin typeface="+mj-lt"/>
+        <a:ea typeface="+mj-ea"/>
+        <a:cs typeface="+mj-cs"/>
         <a:sym typeface="Helvetica Neue"/>
       </a:defRPr>
     </a:lvl7pPr>
-    <a:lvl8pPr marL="0" marR="0" indent="3200400" algn="ctr" defTabSz="2438338" rtl="0" fontAlgn="auto" latinLnBrk="0" hangingPunct="0">
+    <a:lvl8pPr marL="0" marR="0" indent="0" algn="ctr" defTabSz="2438337" rtl="0" fontAlgn="auto" latinLnBrk="0" hangingPunct="0">
       <a:lnSpc>
         <a:spcPct val="100000"/>
       </a:lnSpc>
@@ -291,13 +291,13 @@
         </a:solidFill>
         <a:effectLst/>
         <a:uFillTx/>
-        <a:latin typeface="+mn-lt"/>
-        <a:ea typeface="+mn-ea"/>
-        <a:cs typeface="+mn-cs"/>
+        <a:latin typeface="+mj-lt"/>
+        <a:ea typeface="+mj-ea"/>
+        <a:cs typeface="+mj-cs"/>
         <a:sym typeface="Helvetica Neue"/>
       </a:defRPr>
     </a:lvl8pPr>
-    <a:lvl9pPr marL="0" marR="0" indent="3657600" algn="ctr" defTabSz="2438338" rtl="0" fontAlgn="auto" latinLnBrk="0" hangingPunct="0">
+    <a:lvl9pPr marL="0" marR="0" indent="0" algn="ctr" defTabSz="2438337" rtl="0" fontAlgn="auto" latinLnBrk="0" hangingPunct="0">
       <a:lnSpc>
         <a:spcPct val="100000"/>
       </a:lnSpc>
@@ -321,9 +321,9 @@
         </a:solidFill>
         <a:effectLst/>
         <a:uFillTx/>
-        <a:latin typeface="+mn-lt"/>
-        <a:ea typeface="+mn-ea"/>
-        <a:cs typeface="+mn-cs"/>
+        <a:latin typeface="+mj-lt"/>
+        <a:ea typeface="+mj-ea"/>
+        <a:cs typeface="+mj-cs"/>
         <a:sym typeface="Helvetica Neue"/>
       </a:defRPr>
     </a:lvl9pPr>
@@ -411,9 +411,9 @@
         <a:spcPct val="117999"/>
       </a:lnSpc>
       <a:defRPr sz="2200">
-        <a:latin typeface="+mn-lt"/>
-        <a:ea typeface="+mn-ea"/>
-        <a:cs typeface="+mn-cs"/>
+        <a:latin typeface="+mj-lt"/>
+        <a:ea typeface="+mj-ea"/>
+        <a:cs typeface="+mj-cs"/>
         <a:sym typeface="Helvetica Neue"/>
       </a:defRPr>
     </a:lvl1pPr>
@@ -422,9 +422,9 @@
         <a:spcPct val="117999"/>
       </a:lnSpc>
       <a:defRPr sz="2200">
-        <a:latin typeface="+mn-lt"/>
-        <a:ea typeface="+mn-ea"/>
-        <a:cs typeface="+mn-cs"/>
+        <a:latin typeface="+mj-lt"/>
+        <a:ea typeface="+mj-ea"/>
+        <a:cs typeface="+mj-cs"/>
         <a:sym typeface="Helvetica Neue"/>
       </a:defRPr>
     </a:lvl2pPr>
@@ -433,9 +433,9 @@
         <a:spcPct val="117999"/>
       </a:lnSpc>
       <a:defRPr sz="2200">
-        <a:latin typeface="+mn-lt"/>
-        <a:ea typeface="+mn-ea"/>
-        <a:cs typeface="+mn-cs"/>
+        <a:latin typeface="+mj-lt"/>
+        <a:ea typeface="+mj-ea"/>
+        <a:cs typeface="+mj-cs"/>
         <a:sym typeface="Helvetica Neue"/>
       </a:defRPr>
     </a:lvl3pPr>
@@ -444,9 +444,9 @@
         <a:spcPct val="117999"/>
       </a:lnSpc>
       <a:defRPr sz="2200">
-        <a:latin typeface="+mn-lt"/>
-        <a:ea typeface="+mn-ea"/>
-        <a:cs typeface="+mn-cs"/>
+        <a:latin typeface="+mj-lt"/>
+        <a:ea typeface="+mj-ea"/>
+        <a:cs typeface="+mj-cs"/>
         <a:sym typeface="Helvetica Neue"/>
       </a:defRPr>
     </a:lvl4pPr>
@@ -455,9 +455,9 @@
         <a:spcPct val="117999"/>
       </a:lnSpc>
       <a:defRPr sz="2200">
-        <a:latin typeface="+mn-lt"/>
-        <a:ea typeface="+mn-ea"/>
-        <a:cs typeface="+mn-cs"/>
+        <a:latin typeface="+mj-lt"/>
+        <a:ea typeface="+mj-ea"/>
+        <a:cs typeface="+mj-cs"/>
         <a:sym typeface="Helvetica Neue"/>
       </a:defRPr>
     </a:lvl5pPr>
@@ -466,9 +466,9 @@
         <a:spcPct val="117999"/>
       </a:lnSpc>
       <a:defRPr sz="2200">
-        <a:latin typeface="+mn-lt"/>
-        <a:ea typeface="+mn-ea"/>
-        <a:cs typeface="+mn-cs"/>
+        <a:latin typeface="+mj-lt"/>
+        <a:ea typeface="+mj-ea"/>
+        <a:cs typeface="+mj-cs"/>
         <a:sym typeface="Helvetica Neue"/>
       </a:defRPr>
     </a:lvl6pPr>
@@ -477,9 +477,9 @@
         <a:spcPct val="117999"/>
       </a:lnSpc>
       <a:defRPr sz="2200">
-        <a:latin typeface="+mn-lt"/>
-        <a:ea typeface="+mn-ea"/>
-        <a:cs typeface="+mn-cs"/>
+        <a:latin typeface="+mj-lt"/>
+        <a:ea typeface="+mj-ea"/>
+        <a:cs typeface="+mj-cs"/>
         <a:sym typeface="Helvetica Neue"/>
       </a:defRPr>
     </a:lvl7pPr>
@@ -488,9 +488,9 @@
         <a:spcPct val="117999"/>
       </a:lnSpc>
       <a:defRPr sz="2200">
-        <a:latin typeface="+mn-lt"/>
-        <a:ea typeface="+mn-ea"/>
-        <a:cs typeface="+mn-cs"/>
+        <a:latin typeface="+mj-lt"/>
+        <a:ea typeface="+mj-ea"/>
+        <a:cs typeface="+mj-cs"/>
         <a:sym typeface="Helvetica Neue"/>
       </a:defRPr>
     </a:lvl8pPr>
@@ -499,9 +499,9 @@
         <a:spcPct val="117999"/>
       </a:lnSpc>
       <a:defRPr sz="2200">
-        <a:latin typeface="+mn-lt"/>
-        <a:ea typeface="+mn-ea"/>
-        <a:cs typeface="+mn-cs"/>
+        <a:latin typeface="+mj-lt"/>
+        <a:ea typeface="+mj-ea"/>
+        <a:cs typeface="+mj-cs"/>
         <a:sym typeface="Helvetica Neue"/>
       </a:defRPr>
     </a:lvl9pPr>
@@ -510,7 +510,7 @@
 </file>
 
 <file path=ppt/slideLayouts/slideLayout1.xml><?xml version="1.0" encoding="utf-8"?>
-<p:sldLayout xmlns:a="http://schemas.openxmlformats.org/drawingml/2006/main" xmlns:r="http://schemas.openxmlformats.org/officeDocument/2006/relationships" xmlns:p="http://schemas.openxmlformats.org/presentationml/2006/main" xmlns:m="http://schemas.openxmlformats.org/officeDocument/2006/math" xmlns:a14="http://schemas.microsoft.com/office/drawing/2010/main" type="title" showMasterSp="1" showMasterPhAnim="1">
+<p:sldLayout xmlns:a="http://schemas.openxmlformats.org/drawingml/2006/main" xmlns:r="http://schemas.openxmlformats.org/officeDocument/2006/relationships" xmlns:p="http://schemas.openxmlformats.org/presentationml/2006/main" xmlns:m="http://schemas.openxmlformats.org/officeDocument/2006/math" xmlns:a14="http://schemas.microsoft.com/office/drawing/2010/main" type="tx" showMasterSp="1" showMasterPhAnim="1">
   <p:cSld name="Title">
     <p:bg>
       <p:bgPr>
@@ -535,23 +535,23 @@
       </p:grpSpPr>
       <p:sp>
         <p:nvSpPr>
-          <p:cNvPr id="11" name="Author and Date"/>
+          <p:cNvPr id="11" name="Body Level One…"/>
           <p:cNvSpPr txBox="1"/>
           <p:nvPr>
-            <p:ph type="body" sz="quarter" idx="21" hasCustomPrompt="1"/>
+            <p:ph type="body" sz="quarter" idx="1" hasCustomPrompt="1"/>
           </p:nvPr>
         </p:nvSpPr>
         <p:spPr>
           <a:xfrm>
             <a:off x="1201340" y="11847162"/>
-            <a:ext cx="21971003" cy="636979"/>
+            <a:ext cx="21971004" cy="636980"/>
           </a:xfrm>
           <a:prstGeom prst="rect">
             <a:avLst/>
           </a:prstGeom>
         </p:spPr>
         <p:txBody>
-          <a:bodyPr lIns="45719" tIns="45719" rIns="45719" bIns="45719"/>
+          <a:bodyPr lIns="45718" tIns="45718" rIns="45718" bIns="45718" numCol="1" spcCol="38100"/>
           <a:lstStyle>
             <a:lvl1pPr marL="0" indent="0" defTabSz="825500">
               <a:lnSpc>
@@ -568,11 +568,87 @@
                 </a:solidFill>
               </a:defRPr>
             </a:lvl1pPr>
+            <a:lvl2pPr marL="1066800" indent="-457200" defTabSz="825500">
+              <a:lnSpc>
+                <a:spcPct val="100000"/>
+              </a:lnSpc>
+              <a:spcBef>
+                <a:spcPts val="0"/>
+              </a:spcBef>
+              <a:defRPr b="1" sz="3600">
+                <a:solidFill>
+                  <a:srgbClr val="FFFFFF"/>
+                </a:solidFill>
+              </a:defRPr>
+            </a:lvl2pPr>
+            <a:lvl3pPr marL="1676400" indent="-457200" defTabSz="825500">
+              <a:lnSpc>
+                <a:spcPct val="100000"/>
+              </a:lnSpc>
+              <a:spcBef>
+                <a:spcPts val="0"/>
+              </a:spcBef>
+              <a:defRPr b="1" sz="3600">
+                <a:solidFill>
+                  <a:srgbClr val="FFFFFF"/>
+                </a:solidFill>
+              </a:defRPr>
+            </a:lvl3pPr>
+            <a:lvl4pPr marL="2286000" indent="-457200" defTabSz="825500">
+              <a:lnSpc>
+                <a:spcPct val="100000"/>
+              </a:lnSpc>
+              <a:spcBef>
+                <a:spcPts val="0"/>
+              </a:spcBef>
+              <a:defRPr b="1" sz="3600">
+                <a:solidFill>
+                  <a:srgbClr val="FFFFFF"/>
+                </a:solidFill>
+              </a:defRPr>
+            </a:lvl4pPr>
+            <a:lvl5pPr marL="2895600" indent="-457200" defTabSz="825500">
+              <a:lnSpc>
+                <a:spcPct val="100000"/>
+              </a:lnSpc>
+              <a:spcBef>
+                <a:spcPts val="0"/>
+              </a:spcBef>
+              <a:defRPr b="1" sz="3600">
+                <a:solidFill>
+                  <a:srgbClr val="FFFFFF"/>
+                </a:solidFill>
+              </a:defRPr>
+            </a:lvl5pPr>
           </a:lstStyle>
           <a:p>
             <a:pPr/>
             <a:r>
               <a:t>Author and Date</a:t>
+            </a:r>
+          </a:p>
+          <a:p>
+            <a:pPr lvl="1"/>
+            <a:r>
+              <a:t/>
+            </a:r>
+          </a:p>
+          <a:p>
+            <a:pPr lvl="2"/>
+            <a:r>
+              <a:t/>
+            </a:r>
+          </a:p>
+          <a:p>
+            <a:pPr lvl="3"/>
+            <a:r>
+              <a:t/>
+            </a:r>
+          </a:p>
+          <a:p>
+            <a:pPr lvl="4"/>
+            <a:r>
+              <a:t/>
             </a:r>
           </a:p>
         </p:txBody>
@@ -588,7 +664,7 @@
         <p:spPr>
           <a:xfrm>
             <a:off x="1206496" y="2574991"/>
-            <a:ext cx="21971004" cy="4648201"/>
+            <a:ext cx="21971005" cy="4648202"/>
           </a:xfrm>
           <a:prstGeom prst="rect">
             <a:avLst/>
@@ -618,20 +694,20 @@
           <p:cNvPr id="13" name="Body Level One…"/>
           <p:cNvSpPr txBox="1"/>
           <p:nvPr>
-            <p:ph type="body" sz="quarter" idx="1" hasCustomPrompt="1"/>
+            <p:ph type="body" sz="quarter" idx="21" hasCustomPrompt="1"/>
           </p:nvPr>
         </p:nvSpPr>
         <p:spPr>
           <a:xfrm>
             <a:off x="1201342" y="7210490"/>
-            <a:ext cx="21971001" cy="1905001"/>
+            <a:ext cx="21971002" cy="1905002"/>
           </a:xfrm>
           <a:prstGeom prst="rect">
             <a:avLst/>
           </a:prstGeom>
         </p:spPr>
         <p:txBody>
-          <a:bodyPr/>
+          <a:bodyPr numCol="1" spcCol="38100"/>
           <a:lstStyle>
             <a:lvl1pPr marL="0" indent="0" defTabSz="825500">
               <a:lnSpc>
@@ -648,95 +724,11 @@
                 </a:solidFill>
               </a:defRPr>
             </a:lvl1pPr>
-            <a:lvl2pPr marL="0" indent="457200" defTabSz="825500">
-              <a:lnSpc>
-                <a:spcPct val="100000"/>
-              </a:lnSpc>
-              <a:spcBef>
-                <a:spcPts val="0"/>
-              </a:spcBef>
-              <a:buSzTx/>
-              <a:buNone/>
-              <a:defRPr b="1" sz="5500">
-                <a:solidFill>
-                  <a:schemeClr val="accent1"/>
-                </a:solidFill>
-              </a:defRPr>
-            </a:lvl2pPr>
-            <a:lvl3pPr marL="0" indent="914400" defTabSz="825500">
-              <a:lnSpc>
-                <a:spcPct val="100000"/>
-              </a:lnSpc>
-              <a:spcBef>
-                <a:spcPts val="0"/>
-              </a:spcBef>
-              <a:buSzTx/>
-              <a:buNone/>
-              <a:defRPr b="1" sz="5500">
-                <a:solidFill>
-                  <a:schemeClr val="accent1"/>
-                </a:solidFill>
-              </a:defRPr>
-            </a:lvl3pPr>
-            <a:lvl4pPr marL="0" indent="1371600" defTabSz="825500">
-              <a:lnSpc>
-                <a:spcPct val="100000"/>
-              </a:lnSpc>
-              <a:spcBef>
-                <a:spcPts val="0"/>
-              </a:spcBef>
-              <a:buSzTx/>
-              <a:buNone/>
-              <a:defRPr b="1" sz="5500">
-                <a:solidFill>
-                  <a:schemeClr val="accent1"/>
-                </a:solidFill>
-              </a:defRPr>
-            </a:lvl4pPr>
-            <a:lvl5pPr marL="0" indent="1828800" defTabSz="825500">
-              <a:lnSpc>
-                <a:spcPct val="100000"/>
-              </a:lnSpc>
-              <a:spcBef>
-                <a:spcPts val="0"/>
-              </a:spcBef>
-              <a:buSzTx/>
-              <a:buNone/>
-              <a:defRPr b="1" sz="5500">
-                <a:solidFill>
-                  <a:schemeClr val="accent1"/>
-                </a:solidFill>
-              </a:defRPr>
-            </a:lvl5pPr>
           </a:lstStyle>
           <a:p>
             <a:pPr/>
             <a:r>
               <a:t>Presentation Subtitle</a:t>
-            </a:r>
-          </a:p>
-          <a:p>
-            <a:pPr lvl="1"/>
-            <a:r>
-              <a:t/>
-            </a:r>
-          </a:p>
-          <a:p>
-            <a:pPr lvl="2"/>
-            <a:r>
-              <a:t/>
-            </a:r>
-          </a:p>
-          <a:p>
-            <a:pPr lvl="3"/>
-            <a:r>
-              <a:t/>
-            </a:r>
-          </a:p>
-          <a:p>
-            <a:pPr lvl="4"/>
-            <a:r>
-              <a:t/>
             </a:r>
           </a:p>
         </p:txBody>
@@ -815,7 +807,7 @@
           </a:prstGeom>
         </p:spPr>
         <p:txBody>
-          <a:bodyPr anchor="ctr"/>
+          <a:bodyPr numCol="1" spcCol="38100" anchor="ctr"/>
           <a:lstStyle>
             <a:lvl1pPr marL="0" indent="0" algn="ctr">
               <a:lnSpc>
@@ -828,10 +820,7 @@
               <a:buNone/>
               <a:defRPr spc="-232" sz="11600">
                 <a:solidFill>
-                  <a:schemeClr val="accent1">
-                    <a:hueOff val="114395"/>
-                    <a:lumOff val="-24975"/>
-                  </a:schemeClr>
+                  <a:srgbClr val="004D80"/>
                 </a:solidFill>
                 <a:latin typeface="Helvetica Neue Medium"/>
                 <a:ea typeface="Helvetica Neue Medium"/>
@@ -839,7 +828,7 @@
                 <a:sym typeface="Helvetica Neue Medium"/>
               </a:defRPr>
             </a:lvl1pPr>
-            <a:lvl2pPr marL="0" indent="457200" algn="ctr">
+            <a:lvl2pPr marL="0" indent="0" algn="ctr">
               <a:lnSpc>
                 <a:spcPct val="80000"/>
               </a:lnSpc>
@@ -850,10 +839,7 @@
               <a:buNone/>
               <a:defRPr spc="-232" sz="11600">
                 <a:solidFill>
-                  <a:schemeClr val="accent1">
-                    <a:hueOff val="114395"/>
-                    <a:lumOff val="-24975"/>
-                  </a:schemeClr>
+                  <a:srgbClr val="004D80"/>
                 </a:solidFill>
                 <a:latin typeface="Helvetica Neue Medium"/>
                 <a:ea typeface="Helvetica Neue Medium"/>
@@ -861,7 +847,7 @@
                 <a:sym typeface="Helvetica Neue Medium"/>
               </a:defRPr>
             </a:lvl2pPr>
-            <a:lvl3pPr marL="0" indent="914400" algn="ctr">
+            <a:lvl3pPr marL="0" indent="0" algn="ctr">
               <a:lnSpc>
                 <a:spcPct val="80000"/>
               </a:lnSpc>
@@ -872,10 +858,7 @@
               <a:buNone/>
               <a:defRPr spc="-232" sz="11600">
                 <a:solidFill>
-                  <a:schemeClr val="accent1">
-                    <a:hueOff val="114395"/>
-                    <a:lumOff val="-24975"/>
-                  </a:schemeClr>
+                  <a:srgbClr val="004D80"/>
                 </a:solidFill>
                 <a:latin typeface="Helvetica Neue Medium"/>
                 <a:ea typeface="Helvetica Neue Medium"/>
@@ -883,7 +866,7 @@
                 <a:sym typeface="Helvetica Neue Medium"/>
               </a:defRPr>
             </a:lvl3pPr>
-            <a:lvl4pPr marL="0" indent="1371600" algn="ctr">
+            <a:lvl4pPr marL="0" indent="0" algn="ctr">
               <a:lnSpc>
                 <a:spcPct val="80000"/>
               </a:lnSpc>
@@ -894,10 +877,7 @@
               <a:buNone/>
               <a:defRPr spc="-232" sz="11600">
                 <a:solidFill>
-                  <a:schemeClr val="accent1">
-                    <a:hueOff val="114395"/>
-                    <a:lumOff val="-24975"/>
-                  </a:schemeClr>
+                  <a:srgbClr val="004D80"/>
                 </a:solidFill>
                 <a:latin typeface="Helvetica Neue Medium"/>
                 <a:ea typeface="Helvetica Neue Medium"/>
@@ -905,7 +885,7 @@
                 <a:sym typeface="Helvetica Neue Medium"/>
               </a:defRPr>
             </a:lvl4pPr>
-            <a:lvl5pPr marL="0" indent="1828800" algn="ctr">
+            <a:lvl5pPr marL="0" indent="0" algn="ctr">
               <a:lnSpc>
                 <a:spcPct val="80000"/>
               </a:lnSpc>
@@ -916,10 +896,7 @@
               <a:buNone/>
               <a:defRPr spc="-232" sz="11600">
                 <a:solidFill>
-                  <a:schemeClr val="accent1">
-                    <a:hueOff val="114395"/>
-                    <a:lumOff val="-24975"/>
-                  </a:schemeClr>
+                  <a:srgbClr val="004D80"/>
                 </a:solidFill>
                 <a:latin typeface="Helvetica Neue Medium"/>
                 <a:ea typeface="Helvetica Neue Medium"/>
@@ -1018,15 +995,15 @@
         </p:nvSpPr>
         <p:spPr>
           <a:xfrm>
-            <a:off x="1206500" y="1075927"/>
-            <a:ext cx="21971000" cy="7241584"/>
+            <a:off x="1206500" y="1075926"/>
+            <a:ext cx="21971000" cy="7241586"/>
           </a:xfrm>
           <a:prstGeom prst="rect">
             <a:avLst/>
           </a:prstGeom>
         </p:spPr>
         <p:txBody>
-          <a:bodyPr anchor="b"/>
+          <a:bodyPr numCol="1" spcCol="38100" anchor="b"/>
           <a:lstStyle>
             <a:lvl1pPr marL="0" indent="0" algn="ctr">
               <a:lnSpc>
@@ -1039,14 +1016,11 @@
               <a:buNone/>
               <a:defRPr b="1" spc="-250" sz="25000">
                 <a:solidFill>
-                  <a:schemeClr val="accent1">
-                    <a:hueOff val="114395"/>
-                    <a:lumOff val="-24975"/>
-                  </a:schemeClr>
+                  <a:srgbClr val="004D80"/>
                 </a:solidFill>
               </a:defRPr>
             </a:lvl1pPr>
-            <a:lvl2pPr marL="0" indent="457200" algn="ctr">
+            <a:lvl2pPr marL="0" indent="0" algn="ctr">
               <a:lnSpc>
                 <a:spcPct val="80000"/>
               </a:lnSpc>
@@ -1057,14 +1031,11 @@
               <a:buNone/>
               <a:defRPr b="1" spc="-250" sz="25000">
                 <a:solidFill>
-                  <a:schemeClr val="accent1">
-                    <a:hueOff val="114395"/>
-                    <a:lumOff val="-24975"/>
-                  </a:schemeClr>
+                  <a:srgbClr val="004D80"/>
                 </a:solidFill>
               </a:defRPr>
             </a:lvl2pPr>
-            <a:lvl3pPr marL="0" indent="914400" algn="ctr">
+            <a:lvl3pPr marL="0" indent="0" algn="ctr">
               <a:lnSpc>
                 <a:spcPct val="80000"/>
               </a:lnSpc>
@@ -1075,14 +1046,11 @@
               <a:buNone/>
               <a:defRPr b="1" spc="-250" sz="25000">
                 <a:solidFill>
-                  <a:schemeClr val="accent1">
-                    <a:hueOff val="114395"/>
-                    <a:lumOff val="-24975"/>
-                  </a:schemeClr>
+                  <a:srgbClr val="004D80"/>
                 </a:solidFill>
               </a:defRPr>
             </a:lvl3pPr>
-            <a:lvl4pPr marL="0" indent="1371600" algn="ctr">
+            <a:lvl4pPr marL="0" indent="0" algn="ctr">
               <a:lnSpc>
                 <a:spcPct val="80000"/>
               </a:lnSpc>
@@ -1093,14 +1061,11 @@
               <a:buNone/>
               <a:defRPr b="1" spc="-250" sz="25000">
                 <a:solidFill>
-                  <a:schemeClr val="accent1">
-                    <a:hueOff val="114395"/>
-                    <a:lumOff val="-24975"/>
-                  </a:schemeClr>
+                  <a:srgbClr val="004D80"/>
                 </a:solidFill>
               </a:defRPr>
             </a:lvl4pPr>
-            <a:lvl5pPr marL="0" indent="1828800" algn="ctr">
+            <a:lvl5pPr marL="0" indent="0" algn="ctr">
               <a:lnSpc>
                 <a:spcPct val="80000"/>
               </a:lnSpc>
@@ -1111,10 +1076,7 @@
               <a:buNone/>
               <a:defRPr b="1" spc="-250" sz="25000">
                 <a:solidFill>
-                  <a:schemeClr val="accent1">
-                    <a:hueOff val="114395"/>
-                    <a:lumOff val="-24975"/>
-                  </a:schemeClr>
+                  <a:srgbClr val="004D80"/>
                 </a:solidFill>
               </a:defRPr>
             </a:lvl5pPr>
@@ -1169,7 +1131,7 @@
           </a:prstGeom>
         </p:spPr>
         <p:txBody>
-          <a:bodyPr lIns="45719" tIns="45719" rIns="45719" bIns="45719"/>
+          <a:bodyPr lIns="45718" tIns="45718" rIns="45718" bIns="45718" numCol="1" spcCol="38100"/>
           <a:lstStyle>
             <a:lvl1pPr marL="0" indent="0" algn="ctr" defTabSz="825500">
               <a:lnSpc>
@@ -1241,23 +1203,23 @@
       </p:grpSpPr>
       <p:sp>
         <p:nvSpPr>
-          <p:cNvPr id="115" name="Attribution"/>
+          <p:cNvPr id="115" name="Body Level One…"/>
           <p:cNvSpPr txBox="1"/>
           <p:nvPr>
-            <p:ph type="body" sz="quarter" idx="21" hasCustomPrompt="1"/>
+            <p:ph type="body" sz="quarter" idx="1" hasCustomPrompt="1"/>
           </p:nvPr>
         </p:nvSpPr>
         <p:spPr>
           <a:xfrm>
-            <a:off x="2480825" y="10675453"/>
-            <a:ext cx="20149252" cy="636979"/>
+            <a:off x="2480824" y="10675453"/>
+            <a:ext cx="20149254" cy="636980"/>
           </a:xfrm>
           <a:prstGeom prst="rect">
             <a:avLst/>
           </a:prstGeom>
         </p:spPr>
         <p:txBody>
-          <a:bodyPr lIns="45719" tIns="45719" rIns="45719" bIns="45719"/>
+          <a:bodyPr lIns="45718" tIns="45718" rIns="45718" bIns="45718" numCol="1" spcCol="38100"/>
           <a:lstStyle>
             <a:lvl1pPr marL="0" indent="0" defTabSz="825500">
               <a:lnSpc>
@@ -1270,11 +1232,71 @@
               <a:buNone/>
               <a:defRPr b="1" sz="3600"/>
             </a:lvl1pPr>
+            <a:lvl2pPr marL="1066800" indent="-457200" defTabSz="825500">
+              <a:lnSpc>
+                <a:spcPct val="100000"/>
+              </a:lnSpc>
+              <a:spcBef>
+                <a:spcPts val="0"/>
+              </a:spcBef>
+              <a:defRPr b="1" sz="3600"/>
+            </a:lvl2pPr>
+            <a:lvl3pPr marL="1676400" indent="-457200" defTabSz="825500">
+              <a:lnSpc>
+                <a:spcPct val="100000"/>
+              </a:lnSpc>
+              <a:spcBef>
+                <a:spcPts val="0"/>
+              </a:spcBef>
+              <a:defRPr b="1" sz="3600"/>
+            </a:lvl3pPr>
+            <a:lvl4pPr marL="2286000" indent="-457200" defTabSz="825500">
+              <a:lnSpc>
+                <a:spcPct val="100000"/>
+              </a:lnSpc>
+              <a:spcBef>
+                <a:spcPts val="0"/>
+              </a:spcBef>
+              <a:defRPr b="1" sz="3600"/>
+            </a:lvl4pPr>
+            <a:lvl5pPr marL="2895600" indent="-457200" defTabSz="825500">
+              <a:lnSpc>
+                <a:spcPct val="100000"/>
+              </a:lnSpc>
+              <a:spcBef>
+                <a:spcPts val="0"/>
+              </a:spcBef>
+              <a:defRPr b="1" sz="3600"/>
+            </a:lvl5pPr>
           </a:lstStyle>
           <a:p>
             <a:pPr/>
             <a:r>
               <a:t>Attribution</a:t>
+            </a:r>
+          </a:p>
+          <a:p>
+            <a:pPr lvl="1"/>
+            <a:r>
+              <a:t/>
+            </a:r>
+          </a:p>
+          <a:p>
+            <a:pPr lvl="2"/>
+            <a:r>
+              <a:t/>
+            </a:r>
+          </a:p>
+          <a:p>
+            <a:pPr lvl="3"/>
+            <a:r>
+              <a:t/>
+            </a:r>
+          </a:p>
+          <a:p>
+            <a:pPr lvl="4"/>
+            <a:r>
+              <a:t/>
             </a:r>
           </a:p>
         </p:txBody>
@@ -1284,33 +1306,30 @@
           <p:cNvPr id="116" name="Body Level One…"/>
           <p:cNvSpPr txBox="1"/>
           <p:nvPr>
-            <p:ph type="body" sz="half" idx="1" hasCustomPrompt="1"/>
+            <p:ph type="body" sz="half" idx="21" hasCustomPrompt="1"/>
           </p:nvPr>
         </p:nvSpPr>
         <p:spPr>
           <a:xfrm>
             <a:off x="1753923" y="4939860"/>
-            <a:ext cx="20876154" cy="3836280"/>
+            <a:ext cx="20876154" cy="3836281"/>
           </a:xfrm>
           <a:prstGeom prst="rect">
             <a:avLst/>
           </a:prstGeom>
         </p:spPr>
         <p:txBody>
-          <a:bodyPr/>
+          <a:bodyPr numCol="1" spcCol="38100"/>
           <a:lstStyle>
-            <a:lvl1pPr marL="638923" indent="-469900">
+            <a:lvl1pPr marL="469900" indent="-300876">
               <a:spcBef>
                 <a:spcPts val="0"/>
               </a:spcBef>
               <a:buSzTx/>
               <a:buNone/>
-              <a:defRPr spc="-170" sz="8500">
-                <a:solidFill>
-                  <a:schemeClr val="accent1">
-                    <a:hueOff val="114395"/>
-                    <a:lumOff val="-24975"/>
-                  </a:schemeClr>
+              <a:defRPr spc="-200" sz="8500">
+                <a:solidFill>
+                  <a:srgbClr val="004D80"/>
                 </a:solidFill>
                 <a:latin typeface="Helvetica Neue Medium"/>
                 <a:ea typeface="Helvetica Neue Medium"/>
@@ -1318,111 +1337,11 @@
                 <a:sym typeface="Helvetica Neue Medium"/>
               </a:defRPr>
             </a:lvl1pPr>
-            <a:lvl2pPr marL="638923" indent="-12700">
-              <a:spcBef>
-                <a:spcPts val="0"/>
-              </a:spcBef>
-              <a:buSzTx/>
-              <a:buNone/>
-              <a:defRPr spc="-170" sz="8500">
-                <a:solidFill>
-                  <a:schemeClr val="accent1">
-                    <a:hueOff val="114395"/>
-                    <a:lumOff val="-24975"/>
-                  </a:schemeClr>
-                </a:solidFill>
-                <a:latin typeface="Helvetica Neue Medium"/>
-                <a:ea typeface="Helvetica Neue Medium"/>
-                <a:cs typeface="Helvetica Neue Medium"/>
-                <a:sym typeface="Helvetica Neue Medium"/>
-              </a:defRPr>
-            </a:lvl2pPr>
-            <a:lvl3pPr marL="638923" indent="444500">
-              <a:spcBef>
-                <a:spcPts val="0"/>
-              </a:spcBef>
-              <a:buSzTx/>
-              <a:buNone/>
-              <a:defRPr spc="-170" sz="8500">
-                <a:solidFill>
-                  <a:schemeClr val="accent1">
-                    <a:hueOff val="114395"/>
-                    <a:lumOff val="-24975"/>
-                  </a:schemeClr>
-                </a:solidFill>
-                <a:latin typeface="Helvetica Neue Medium"/>
-                <a:ea typeface="Helvetica Neue Medium"/>
-                <a:cs typeface="Helvetica Neue Medium"/>
-                <a:sym typeface="Helvetica Neue Medium"/>
-              </a:defRPr>
-            </a:lvl3pPr>
-            <a:lvl4pPr marL="638923" indent="901700">
-              <a:spcBef>
-                <a:spcPts val="0"/>
-              </a:spcBef>
-              <a:buSzTx/>
-              <a:buNone/>
-              <a:defRPr spc="-170" sz="8500">
-                <a:solidFill>
-                  <a:schemeClr val="accent1">
-                    <a:hueOff val="114395"/>
-                    <a:lumOff val="-24975"/>
-                  </a:schemeClr>
-                </a:solidFill>
-                <a:latin typeface="Helvetica Neue Medium"/>
-                <a:ea typeface="Helvetica Neue Medium"/>
-                <a:cs typeface="Helvetica Neue Medium"/>
-                <a:sym typeface="Helvetica Neue Medium"/>
-              </a:defRPr>
-            </a:lvl4pPr>
-            <a:lvl5pPr marL="638923" indent="1358900">
-              <a:spcBef>
-                <a:spcPts val="0"/>
-              </a:spcBef>
-              <a:buSzTx/>
-              <a:buNone/>
-              <a:defRPr spc="-170" sz="8500">
-                <a:solidFill>
-                  <a:schemeClr val="accent1">
-                    <a:hueOff val="114395"/>
-                    <a:lumOff val="-24975"/>
-                  </a:schemeClr>
-                </a:solidFill>
-                <a:latin typeface="Helvetica Neue Medium"/>
-                <a:ea typeface="Helvetica Neue Medium"/>
-                <a:cs typeface="Helvetica Neue Medium"/>
-                <a:sym typeface="Helvetica Neue Medium"/>
-              </a:defRPr>
-            </a:lvl5pPr>
           </a:lstStyle>
           <a:p>
             <a:pPr/>
             <a:r>
               <a:t>“Notable Quote”</a:t>
-            </a:r>
-          </a:p>
-          <a:p>
-            <a:pPr lvl="1"/>
-            <a:r>
-              <a:t/>
-            </a:r>
-          </a:p>
-          <a:p>
-            <a:pPr lvl="2"/>
-            <a:r>
-              <a:t/>
-            </a:r>
-          </a:p>
-          <a:p>
-            <a:pPr lvl="3"/>
-            <a:r>
-              <a:t/>
-            </a:r>
-          </a:p>
-          <a:p>
-            <a:pPr lvl="4"/>
-            <a:r>
-              <a:t/>
             </a:r>
           </a:p>
         </p:txBody>
@@ -1486,14 +1405,14 @@
         <p:spPr>
           <a:xfrm>
             <a:off x="15436504" y="1270000"/>
-            <a:ext cx="8167167" cy="5422900"/>
+            <a:ext cx="8167168" cy="5422900"/>
           </a:xfrm>
           <a:prstGeom prst="rect">
             <a:avLst/>
           </a:prstGeom>
         </p:spPr>
         <p:txBody>
-          <a:bodyPr lIns="91439" tIns="45719" rIns="91439" bIns="45719">
+          <a:bodyPr lIns="91439" tIns="45719" rIns="91439" bIns="45719" numCol="1" spcCol="38100">
             <a:noAutofit/>
           </a:bodyPr>
           <a:lstStyle/>
@@ -1513,14 +1432,14 @@
         <p:spPr>
           <a:xfrm>
             <a:off x="15461772" y="7085972"/>
-            <a:ext cx="8148414" cy="5432276"/>
+            <a:ext cx="8148415" cy="5432277"/>
           </a:xfrm>
           <a:prstGeom prst="rect">
             <a:avLst/>
           </a:prstGeom>
         </p:spPr>
         <p:txBody>
-          <a:bodyPr lIns="91439" tIns="45719" rIns="91439" bIns="45719">
+          <a:bodyPr lIns="91439" tIns="45719" rIns="91439" bIns="45719" numCol="1" spcCol="38100">
             <a:noAutofit/>
           </a:bodyPr>
           <a:lstStyle/>
@@ -1539,15 +1458,15 @@
         </p:nvSpPr>
         <p:spPr>
           <a:xfrm>
-            <a:off x="-124635" y="1270000"/>
-            <a:ext cx="16859219" cy="11239479"/>
+            <a:off x="-124636" y="1270000"/>
+            <a:ext cx="16859220" cy="11239480"/>
           </a:xfrm>
           <a:prstGeom prst="rect">
             <a:avLst/>
           </a:prstGeom>
         </p:spPr>
         <p:txBody>
-          <a:bodyPr lIns="91439" tIns="45719" rIns="91439" bIns="45719">
+          <a:bodyPr lIns="91439" tIns="45719" rIns="91439" bIns="45719" numCol="1" spcCol="38100">
             <a:noAutofit/>
           </a:bodyPr>
           <a:lstStyle/>
@@ -1622,7 +1541,7 @@
           </a:prstGeom>
         </p:spPr>
         <p:txBody>
-          <a:bodyPr lIns="91439" tIns="45719" rIns="91439" bIns="45719">
+          <a:bodyPr lIns="91439" tIns="45719" rIns="91439" bIns="45719" numCol="1" spcCol="38100">
             <a:noAutofit/>
           </a:bodyPr>
           <a:lstStyle/>
@@ -1753,7 +1672,7 @@
           </a:prstGeom>
         </p:spPr>
         <p:txBody>
-          <a:bodyPr lIns="91439" tIns="45719" rIns="91439" bIns="45719">
+          <a:bodyPr lIns="91439" tIns="45719" rIns="91439" bIns="45719" numCol="1" spcCol="38100">
             <a:noAutofit/>
           </a:bodyPr>
           <a:lstStyle/>
@@ -1800,23 +1719,23 @@
       </p:sp>
       <p:sp>
         <p:nvSpPr>
-          <p:cNvPr id="23" name="Author and Date"/>
+          <p:cNvPr id="23" name="Body Level One…"/>
           <p:cNvSpPr txBox="1"/>
           <p:nvPr>
-            <p:ph type="body" sz="quarter" idx="22" hasCustomPrompt="1"/>
+            <p:ph type="body" sz="quarter" idx="1" hasCustomPrompt="1"/>
           </p:nvPr>
         </p:nvSpPr>
         <p:spPr>
           <a:xfrm>
             <a:off x="1207690" y="1106137"/>
-            <a:ext cx="21968621" cy="636979"/>
+            <a:ext cx="21968621" cy="636980"/>
           </a:xfrm>
           <a:prstGeom prst="rect">
             <a:avLst/>
           </a:prstGeom>
         </p:spPr>
         <p:txBody>
-          <a:bodyPr lIns="45719" tIns="45719" rIns="45719" bIns="45719"/>
+          <a:bodyPr lIns="45718" tIns="45718" rIns="45718" bIns="45718" numCol="1" spcCol="38100"/>
           <a:lstStyle>
             <a:lvl1pPr marL="0" indent="0" defTabSz="825500">
               <a:lnSpc>
@@ -1829,11 +1748,71 @@
               <a:buNone/>
               <a:defRPr b="1" sz="3600"/>
             </a:lvl1pPr>
+            <a:lvl2pPr marL="1066800" indent="-457200" defTabSz="825500">
+              <a:lnSpc>
+                <a:spcPct val="100000"/>
+              </a:lnSpc>
+              <a:spcBef>
+                <a:spcPts val="0"/>
+              </a:spcBef>
+              <a:defRPr b="1" sz="3600"/>
+            </a:lvl2pPr>
+            <a:lvl3pPr marL="1676400" indent="-457200" defTabSz="825500">
+              <a:lnSpc>
+                <a:spcPct val="100000"/>
+              </a:lnSpc>
+              <a:spcBef>
+                <a:spcPts val="0"/>
+              </a:spcBef>
+              <a:defRPr b="1" sz="3600"/>
+            </a:lvl3pPr>
+            <a:lvl4pPr marL="2286000" indent="-457200" defTabSz="825500">
+              <a:lnSpc>
+                <a:spcPct val="100000"/>
+              </a:lnSpc>
+              <a:spcBef>
+                <a:spcPts val="0"/>
+              </a:spcBef>
+              <a:defRPr b="1" sz="3600"/>
+            </a:lvl4pPr>
+            <a:lvl5pPr marL="2895600" indent="-457200" defTabSz="825500">
+              <a:lnSpc>
+                <a:spcPct val="100000"/>
+              </a:lnSpc>
+              <a:spcBef>
+                <a:spcPts val="0"/>
+              </a:spcBef>
+              <a:defRPr b="1" sz="3600"/>
+            </a:lvl5pPr>
           </a:lstStyle>
           <a:p>
             <a:pPr/>
             <a:r>
               <a:t>Author and Date</a:t>
+            </a:r>
+          </a:p>
+          <a:p>
+            <a:pPr lvl="1"/>
+            <a:r>
+              <a:t/>
+            </a:r>
+          </a:p>
+          <a:p>
+            <a:pPr lvl="2"/>
+            <a:r>
+              <a:t/>
+            </a:r>
+          </a:p>
+          <a:p>
+            <a:pPr lvl="3"/>
+            <a:r>
+              <a:t/>
+            </a:r>
+          </a:p>
+          <a:p>
+            <a:pPr lvl="4"/>
+            <a:r>
+              <a:t/>
             </a:r>
           </a:p>
         </p:txBody>
@@ -1843,20 +1822,20 @@
           <p:cNvPr id="24" name="Body Level One…"/>
           <p:cNvSpPr txBox="1"/>
           <p:nvPr>
-            <p:ph type="body" sz="quarter" idx="1" hasCustomPrompt="1"/>
+            <p:ph type="body" sz="quarter" idx="22" hasCustomPrompt="1"/>
           </p:nvPr>
         </p:nvSpPr>
         <p:spPr>
           <a:xfrm>
-            <a:off x="1206500" y="11609910"/>
-            <a:ext cx="21971000" cy="1116952"/>
+            <a:off x="1206500" y="11609909"/>
+            <a:ext cx="21971000" cy="1116953"/>
           </a:xfrm>
           <a:prstGeom prst="rect">
             <a:avLst/>
           </a:prstGeom>
         </p:spPr>
         <p:txBody>
-          <a:bodyPr/>
+          <a:bodyPr numCol="1" spcCol="38100"/>
           <a:lstStyle>
             <a:lvl1pPr marL="0" indent="0" defTabSz="825500">
               <a:lnSpc>
@@ -1873,95 +1852,11 @@
                 </a:solidFill>
               </a:defRPr>
             </a:lvl1pPr>
-            <a:lvl2pPr marL="0" indent="457200" defTabSz="825500">
-              <a:lnSpc>
-                <a:spcPct val="100000"/>
-              </a:lnSpc>
-              <a:spcBef>
-                <a:spcPts val="0"/>
-              </a:spcBef>
-              <a:buSzTx/>
-              <a:buNone/>
-              <a:defRPr b="1" sz="5500">
-                <a:solidFill>
-                  <a:srgbClr val="FFFFFF"/>
-                </a:solidFill>
-              </a:defRPr>
-            </a:lvl2pPr>
-            <a:lvl3pPr marL="0" indent="914400" defTabSz="825500">
-              <a:lnSpc>
-                <a:spcPct val="100000"/>
-              </a:lnSpc>
-              <a:spcBef>
-                <a:spcPts val="0"/>
-              </a:spcBef>
-              <a:buSzTx/>
-              <a:buNone/>
-              <a:defRPr b="1" sz="5500">
-                <a:solidFill>
-                  <a:srgbClr val="FFFFFF"/>
-                </a:solidFill>
-              </a:defRPr>
-            </a:lvl3pPr>
-            <a:lvl4pPr marL="0" indent="1371600" defTabSz="825500">
-              <a:lnSpc>
-                <a:spcPct val="100000"/>
-              </a:lnSpc>
-              <a:spcBef>
-                <a:spcPts val="0"/>
-              </a:spcBef>
-              <a:buSzTx/>
-              <a:buNone/>
-              <a:defRPr b="1" sz="5500">
-                <a:solidFill>
-                  <a:srgbClr val="FFFFFF"/>
-                </a:solidFill>
-              </a:defRPr>
-            </a:lvl4pPr>
-            <a:lvl5pPr marL="0" indent="1828800" defTabSz="825500">
-              <a:lnSpc>
-                <a:spcPct val="100000"/>
-              </a:lnSpc>
-              <a:spcBef>
-                <a:spcPts val="0"/>
-              </a:spcBef>
-              <a:buSzTx/>
-              <a:buNone/>
-              <a:defRPr b="1" sz="5500">
-                <a:solidFill>
-                  <a:srgbClr val="FFFFFF"/>
-                </a:solidFill>
-              </a:defRPr>
-            </a:lvl5pPr>
           </a:lstStyle>
           <a:p>
             <a:pPr/>
             <a:r>
               <a:t>Presentation Subtitle</a:t>
-            </a:r>
-          </a:p>
-          <a:p>
-            <a:pPr lvl="1"/>
-            <a:r>
-              <a:t/>
-            </a:r>
-          </a:p>
-          <a:p>
-            <a:pPr lvl="2"/>
-            <a:r>
-              <a:t/>
-            </a:r>
-          </a:p>
-          <a:p>
-            <a:pPr lvl="3"/>
-            <a:r>
-              <a:t/>
-            </a:r>
-          </a:p>
-          <a:p>
-            <a:pPr lvl="4"/>
-            <a:r>
-              <a:t/>
             </a:r>
           </a:p>
         </p:txBody>
@@ -2033,14 +1928,14 @@
         <p:spPr>
           <a:xfrm>
             <a:off x="9226574" y="1270000"/>
-            <a:ext cx="16840152" cy="11184435"/>
+            <a:ext cx="16840152" cy="11184436"/>
           </a:xfrm>
           <a:prstGeom prst="rect">
             <a:avLst/>
           </a:prstGeom>
         </p:spPr>
         <p:txBody>
-          <a:bodyPr lIns="91439" tIns="45719" rIns="91439" bIns="45719">
+          <a:bodyPr lIns="91439" tIns="45719" rIns="91439" bIns="45719" numCol="1" spcCol="38100">
             <a:noAutofit/>
           </a:bodyPr>
           <a:lstStyle/>
@@ -2060,7 +1955,7 @@
         <p:spPr>
           <a:xfrm>
             <a:off x="1206500" y="1270000"/>
-            <a:ext cx="9779000" cy="5882273"/>
+            <a:ext cx="9779000" cy="5882274"/>
           </a:xfrm>
           <a:prstGeom prst="rect">
             <a:avLst/>
@@ -2095,7 +1990,7 @@
           </a:prstGeom>
         </p:spPr>
         <p:txBody>
-          <a:bodyPr/>
+          <a:bodyPr numCol="1" spcCol="38100"/>
           <a:lstStyle>
             <a:lvl1pPr marL="0" indent="0" defTabSz="825500">
               <a:lnSpc>
@@ -2108,7 +2003,7 @@
               <a:buNone/>
               <a:defRPr b="1" sz="5500"/>
             </a:lvl1pPr>
-            <a:lvl2pPr marL="0" indent="457200" defTabSz="825500">
+            <a:lvl2pPr marL="0" indent="0" defTabSz="825500">
               <a:lnSpc>
                 <a:spcPct val="100000"/>
               </a:lnSpc>
@@ -2119,7 +2014,7 @@
               <a:buNone/>
               <a:defRPr b="1" sz="5500"/>
             </a:lvl2pPr>
-            <a:lvl3pPr marL="0" indent="914400" defTabSz="825500">
+            <a:lvl3pPr marL="0" indent="0" defTabSz="825500">
               <a:lnSpc>
                 <a:spcPct val="100000"/>
               </a:lnSpc>
@@ -2130,7 +2025,7 @@
               <a:buNone/>
               <a:defRPr b="1" sz="5500"/>
             </a:lvl3pPr>
-            <a:lvl4pPr marL="0" indent="1371600" defTabSz="825500">
+            <a:lvl4pPr marL="0" indent="0" defTabSz="825500">
               <a:lnSpc>
                 <a:spcPct val="100000"/>
               </a:lnSpc>
@@ -2141,7 +2036,7 @@
               <a:buNone/>
               <a:defRPr b="1" sz="5500"/>
             </a:lvl4pPr>
-            <a:lvl5pPr marL="0" indent="1828800" defTabSz="825500">
+            <a:lvl5pPr marL="0" indent="0" defTabSz="825500">
               <a:lnSpc>
                 <a:spcPct val="100000"/>
               </a:lnSpc>
@@ -2195,8 +2090,8 @@
         </p:nvSpPr>
         <p:spPr>
           <a:xfrm>
-            <a:off x="12001499" y="13085233"/>
-            <a:ext cx="368505" cy="374600"/>
+            <a:off x="12001500" y="13085233"/>
+            <a:ext cx="368504" cy="374600"/>
           </a:xfrm>
           <a:prstGeom prst="rect">
             <a:avLst/>
@@ -2246,6 +2141,10 @@
           </p:nvPr>
         </p:nvSpPr>
         <p:spPr>
+          <a:xfrm>
+            <a:off x="1206500" y="952500"/>
+            <a:ext cx="21971000" cy="1433164"/>
+          </a:xfrm>
           <a:prstGeom prst="rect">
             <a:avLst/>
           </a:prstGeom>
@@ -2263,23 +2162,23 @@
       </p:sp>
       <p:sp>
         <p:nvSpPr>
-          <p:cNvPr id="43" name="Slide Subtitle"/>
+          <p:cNvPr id="43" name="Body Level One…"/>
           <p:cNvSpPr txBox="1"/>
           <p:nvPr>
-            <p:ph type="body" sz="quarter" idx="21" hasCustomPrompt="1"/>
+            <p:ph type="body" sz="quarter" idx="1" hasCustomPrompt="1"/>
           </p:nvPr>
         </p:nvSpPr>
         <p:spPr>
           <a:xfrm>
-            <a:off x="1206500" y="2245962"/>
-            <a:ext cx="21971000" cy="934780"/>
+            <a:off x="1206500" y="2245961"/>
+            <a:ext cx="21971000" cy="934781"/>
           </a:xfrm>
           <a:prstGeom prst="rect">
             <a:avLst/>
           </a:prstGeom>
         </p:spPr>
         <p:txBody>
-          <a:bodyPr lIns="45719" tIns="45719" rIns="45719" bIns="45719"/>
+          <a:bodyPr lIns="45718" tIns="45718" rIns="45718" bIns="45718" numCol="1" spcCol="38100"/>
           <a:lstStyle>
             <a:lvl1pPr marL="0" indent="0" defTabSz="825500">
               <a:lnSpc>
@@ -2292,11 +2191,71 @@
               <a:buNone/>
               <a:defRPr b="1" sz="5500"/>
             </a:lvl1pPr>
+            <a:lvl2pPr marL="1308100" indent="-698500" defTabSz="825500">
+              <a:lnSpc>
+                <a:spcPct val="100000"/>
+              </a:lnSpc>
+              <a:spcBef>
+                <a:spcPts val="0"/>
+              </a:spcBef>
+              <a:defRPr b="1" sz="5500"/>
+            </a:lvl2pPr>
+            <a:lvl3pPr marL="1917700" indent="-698500" defTabSz="825500">
+              <a:lnSpc>
+                <a:spcPct val="100000"/>
+              </a:lnSpc>
+              <a:spcBef>
+                <a:spcPts val="0"/>
+              </a:spcBef>
+              <a:defRPr b="1" sz="5500"/>
+            </a:lvl3pPr>
+            <a:lvl4pPr marL="2527300" indent="-698500" defTabSz="825500">
+              <a:lnSpc>
+                <a:spcPct val="100000"/>
+              </a:lnSpc>
+              <a:spcBef>
+                <a:spcPts val="0"/>
+              </a:spcBef>
+              <a:defRPr b="1" sz="5500"/>
+            </a:lvl4pPr>
+            <a:lvl5pPr marL="3136900" indent="-698500" defTabSz="825500">
+              <a:lnSpc>
+                <a:spcPct val="100000"/>
+              </a:lnSpc>
+              <a:spcBef>
+                <a:spcPts val="0"/>
+              </a:spcBef>
+              <a:defRPr b="1" sz="5500"/>
+            </a:lvl5pPr>
           </a:lstStyle>
           <a:p>
             <a:pPr/>
             <a:r>
               <a:t>Slide Subtitle</a:t>
+            </a:r>
+          </a:p>
+          <a:p>
+            <a:pPr lvl="1"/>
+            <a:r>
+              <a:t/>
+            </a:r>
+          </a:p>
+          <a:p>
+            <a:pPr lvl="2"/>
+            <a:r>
+              <a:t/>
+            </a:r>
+          </a:p>
+          <a:p>
+            <a:pPr lvl="3"/>
+            <a:r>
+              <a:t/>
+            </a:r>
+          </a:p>
+          <a:p>
+            <a:pPr lvl="4"/>
+            <a:r>
+              <a:t/>
             </a:r>
           </a:p>
         </p:txBody>
@@ -2306,45 +2265,25 @@
           <p:cNvPr id="44" name="Body Level One…"/>
           <p:cNvSpPr txBox="1"/>
           <p:nvPr>
-            <p:ph type="body" idx="1" hasCustomPrompt="1"/>
+            <p:ph type="body" idx="21" hasCustomPrompt="1"/>
           </p:nvPr>
         </p:nvSpPr>
         <p:spPr>
+          <a:xfrm>
+            <a:off x="1206500" y="4248503"/>
+            <a:ext cx="21971000" cy="8256014"/>
+          </a:xfrm>
           <a:prstGeom prst="rect">
             <a:avLst/>
           </a:prstGeom>
         </p:spPr>
         <p:txBody>
-          <a:bodyPr/>
+          <a:bodyPr numCol="1" spcCol="38100"/>
           <a:lstStyle/>
           <a:p>
             <a:pPr/>
             <a:r>
               <a:t>Slide bullet text</a:t>
-            </a:r>
-          </a:p>
-          <a:p>
-            <a:pPr lvl="1"/>
-            <a:r>
-              <a:t/>
-            </a:r>
-          </a:p>
-          <a:p>
-            <a:pPr lvl="2"/>
-            <a:r>
-              <a:t/>
-            </a:r>
-          </a:p>
-          <a:p>
-            <a:pPr lvl="3"/>
-            <a:r>
-              <a:t/>
-            </a:r>
-          </a:p>
-          <a:p>
-            <a:pPr lvl="4"/>
-            <a:r>
-              <a:t/>
             </a:r>
           </a:p>
         </p:txBody>
@@ -2411,7 +2350,7 @@
           </a:prstGeom>
         </p:spPr>
         <p:txBody>
-          <a:bodyPr numCol="2" spcCol="1098550"/>
+          <a:bodyPr/>
           <a:lstStyle/>
           <a:p>
             <a:pPr/>
@@ -2495,10 +2434,10 @@
       </p:grpSpPr>
       <p:sp>
         <p:nvSpPr>
-          <p:cNvPr id="60" name="Slide Subtitle"/>
+          <p:cNvPr id="60" name="Body Level One…"/>
           <p:cNvSpPr txBox="1"/>
           <p:nvPr>
-            <p:ph type="body" sz="quarter" idx="21" hasCustomPrompt="1"/>
+            <p:ph type="body" sz="quarter" idx="1" hasCustomPrompt="1"/>
           </p:nvPr>
         </p:nvSpPr>
         <p:spPr>
@@ -2511,7 +2450,7 @@
           </a:prstGeom>
         </p:spPr>
         <p:txBody>
-          <a:bodyPr lIns="45719" tIns="45719" rIns="45719" bIns="45719"/>
+          <a:bodyPr lIns="45718" tIns="45718" rIns="45718" bIns="45718" numCol="1" spcCol="38100"/>
           <a:lstStyle>
             <a:lvl1pPr marL="0" indent="0" defTabSz="825500">
               <a:lnSpc>
@@ -2524,11 +2463,71 @@
               <a:buNone/>
               <a:defRPr b="1" sz="5500"/>
             </a:lvl1pPr>
+            <a:lvl2pPr marL="1308100" indent="-698500" defTabSz="825500">
+              <a:lnSpc>
+                <a:spcPct val="100000"/>
+              </a:lnSpc>
+              <a:spcBef>
+                <a:spcPts val="0"/>
+              </a:spcBef>
+              <a:defRPr b="1" sz="5500"/>
+            </a:lvl2pPr>
+            <a:lvl3pPr marL="1917700" indent="-698500" defTabSz="825500">
+              <a:lnSpc>
+                <a:spcPct val="100000"/>
+              </a:lnSpc>
+              <a:spcBef>
+                <a:spcPts val="0"/>
+              </a:spcBef>
+              <a:defRPr b="1" sz="5500"/>
+            </a:lvl3pPr>
+            <a:lvl4pPr marL="2527300" indent="-698500" defTabSz="825500">
+              <a:lnSpc>
+                <a:spcPct val="100000"/>
+              </a:lnSpc>
+              <a:spcBef>
+                <a:spcPts val="0"/>
+              </a:spcBef>
+              <a:defRPr b="1" sz="5500"/>
+            </a:lvl4pPr>
+            <a:lvl5pPr marL="3136900" indent="-698500" defTabSz="825500">
+              <a:lnSpc>
+                <a:spcPct val="100000"/>
+              </a:lnSpc>
+              <a:spcBef>
+                <a:spcPts val="0"/>
+              </a:spcBef>
+              <a:defRPr b="1" sz="5500"/>
+            </a:lvl5pPr>
           </a:lstStyle>
           <a:p>
             <a:pPr/>
             <a:r>
               <a:t>Slide Subtitle</a:t>
+            </a:r>
+          </a:p>
+          <a:p>
+            <a:pPr lvl="1"/>
+            <a:r>
+              <a:t/>
+            </a:r>
+          </a:p>
+          <a:p>
+            <a:pPr lvl="2"/>
+            <a:r>
+              <a:t/>
+            </a:r>
+          </a:p>
+          <a:p>
+            <a:pPr lvl="3"/>
+            <a:r>
+              <a:t/>
+            </a:r>
+          </a:p>
+          <a:p>
+            <a:pPr lvl="4"/>
+            <a:r>
+              <a:t/>
             </a:r>
           </a:p>
         </p:txBody>
@@ -2538,49 +2537,25 @@
           <p:cNvPr id="61" name="Body Level One…"/>
           <p:cNvSpPr txBox="1"/>
           <p:nvPr>
-            <p:ph type="body" sz="half" idx="1" hasCustomPrompt="1"/>
+            <p:ph type="body" sz="half" idx="21" hasCustomPrompt="1"/>
           </p:nvPr>
         </p:nvSpPr>
         <p:spPr>
           <a:xfrm>
-            <a:off x="1206500" y="4248504"/>
-            <a:ext cx="9779000" cy="8256630"/>
+            <a:off x="1206500" y="4248503"/>
+            <a:ext cx="9779000" cy="8256631"/>
           </a:xfrm>
           <a:prstGeom prst="rect">
             <a:avLst/>
           </a:prstGeom>
         </p:spPr>
         <p:txBody>
-          <a:bodyPr/>
+          <a:bodyPr numCol="1" spcCol="38100"/>
           <a:lstStyle/>
           <a:p>
             <a:pPr/>
             <a:r>
               <a:t>Slide bullet text</a:t>
-            </a:r>
-          </a:p>
-          <a:p>
-            <a:pPr lvl="1"/>
-            <a:r>
-              <a:t/>
-            </a:r>
-          </a:p>
-          <a:p>
-            <a:pPr lvl="2"/>
-            <a:r>
-              <a:t/>
-            </a:r>
-          </a:p>
-          <a:p>
-            <a:pPr lvl="3"/>
-            <a:r>
-              <a:t/>
-            </a:r>
-          </a:p>
-          <a:p>
-            <a:pPr lvl="4"/>
-            <a:r>
-              <a:t/>
             </a:r>
           </a:p>
         </p:txBody>
@@ -2595,15 +2570,15 @@
         </p:nvSpPr>
         <p:spPr>
           <a:xfrm>
-            <a:off x="8432800" y="1263848"/>
-            <a:ext cx="16850011" cy="11188205"/>
+            <a:off x="8432800" y="1263847"/>
+            <a:ext cx="16850011" cy="11188206"/>
           </a:xfrm>
           <a:prstGeom prst="rect">
             <a:avLst/>
           </a:prstGeom>
         </p:spPr>
         <p:txBody>
-          <a:bodyPr lIns="91439" tIns="45719" rIns="91439" bIns="45719">
+          <a:bodyPr lIns="91439" tIns="45719" rIns="91439" bIns="45719" numCol="1" spcCol="38100">
             <a:noAutofit/>
           </a:bodyPr>
           <a:lstStyle/>
@@ -2706,7 +2681,7 @@
         <p:spPr>
           <a:xfrm>
             <a:off x="1206496" y="4533900"/>
-            <a:ext cx="21971004" cy="4648200"/>
+            <a:ext cx="21971005" cy="4648200"/>
           </a:xfrm>
           <a:prstGeom prst="rect">
             <a:avLst/>
@@ -2745,8 +2720,8 @@
         </p:nvSpPr>
         <p:spPr>
           <a:xfrm>
-            <a:off x="12001499" y="13085233"/>
-            <a:ext cx="368505" cy="374600"/>
+            <a:off x="12001500" y="13085233"/>
+            <a:ext cx="368504" cy="374600"/>
           </a:xfrm>
           <a:prstGeom prst="rect">
             <a:avLst/>
@@ -2806,7 +2781,7 @@
         <p:spPr>
           <a:xfrm>
             <a:off x="1206500" y="952500"/>
-            <a:ext cx="21971000" cy="1434949"/>
+            <a:ext cx="21971000" cy="1434950"/>
           </a:xfrm>
           <a:prstGeom prst="rect">
             <a:avLst/>
@@ -2825,10 +2800,10 @@
       </p:sp>
       <p:sp>
         <p:nvSpPr>
-          <p:cNvPr id="80" name="Slide Subtitle"/>
+          <p:cNvPr id="80" name="Body Level One…"/>
           <p:cNvSpPr txBox="1"/>
           <p:nvPr>
-            <p:ph type="body" sz="quarter" idx="21" hasCustomPrompt="1"/>
+            <p:ph type="body" sz="quarter" idx="1" hasCustomPrompt="1"/>
           </p:nvPr>
         </p:nvSpPr>
         <p:spPr>
@@ -2841,7 +2816,7 @@
           </a:prstGeom>
         </p:spPr>
         <p:txBody>
-          <a:bodyPr lIns="45719" tIns="45719" rIns="45719" bIns="45719"/>
+          <a:bodyPr lIns="45718" tIns="45718" rIns="45718" bIns="45718" numCol="1" spcCol="38100"/>
           <a:lstStyle>
             <a:lvl1pPr marL="0" indent="0" defTabSz="825500">
               <a:lnSpc>
@@ -2854,11 +2829,71 @@
               <a:buNone/>
               <a:defRPr b="1" sz="5500"/>
             </a:lvl1pPr>
+            <a:lvl2pPr marL="1308100" indent="-698500" defTabSz="825500">
+              <a:lnSpc>
+                <a:spcPct val="100000"/>
+              </a:lnSpc>
+              <a:spcBef>
+                <a:spcPts val="0"/>
+              </a:spcBef>
+              <a:defRPr b="1" sz="5500"/>
+            </a:lvl2pPr>
+            <a:lvl3pPr marL="1917700" indent="-698500" defTabSz="825500">
+              <a:lnSpc>
+                <a:spcPct val="100000"/>
+              </a:lnSpc>
+              <a:spcBef>
+                <a:spcPts val="0"/>
+              </a:spcBef>
+              <a:defRPr b="1" sz="5500"/>
+            </a:lvl3pPr>
+            <a:lvl4pPr marL="2527300" indent="-698500" defTabSz="825500">
+              <a:lnSpc>
+                <a:spcPct val="100000"/>
+              </a:lnSpc>
+              <a:spcBef>
+                <a:spcPts val="0"/>
+              </a:spcBef>
+              <a:defRPr b="1" sz="5500"/>
+            </a:lvl4pPr>
+            <a:lvl5pPr marL="3136900" indent="-698500" defTabSz="825500">
+              <a:lnSpc>
+                <a:spcPct val="100000"/>
+              </a:lnSpc>
+              <a:spcBef>
+                <a:spcPts val="0"/>
+              </a:spcBef>
+              <a:defRPr b="1" sz="5500"/>
+            </a:lvl5pPr>
           </a:lstStyle>
           <a:p>
             <a:pPr/>
             <a:r>
               <a:t>Slide Subtitle</a:t>
+            </a:r>
+          </a:p>
+          <a:p>
+            <a:pPr lvl="1"/>
+            <a:r>
+              <a:t/>
+            </a:r>
+          </a:p>
+          <a:p>
+            <a:pPr lvl="2"/>
+            <a:r>
+              <a:t/>
+            </a:r>
+          </a:p>
+          <a:p>
+            <a:pPr lvl="3"/>
+            <a:r>
+              <a:t/>
+            </a:r>
+          </a:p>
+          <a:p>
+            <a:pPr lvl="4"/>
+            <a:r>
+              <a:t/>
             </a:r>
           </a:p>
         </p:txBody>
@@ -2941,10 +2976,10 @@
       </p:sp>
       <p:sp>
         <p:nvSpPr>
-          <p:cNvPr id="89" name="Agenda Subtitle"/>
+          <p:cNvPr id="89" name="Body Level One…"/>
           <p:cNvSpPr txBox="1"/>
           <p:nvPr>
-            <p:ph type="body" sz="quarter" idx="21" hasCustomPrompt="1"/>
+            <p:ph type="body" sz="quarter" idx="1" hasCustomPrompt="1"/>
           </p:nvPr>
         </p:nvSpPr>
         <p:spPr>
@@ -2957,7 +2992,7 @@
           </a:prstGeom>
         </p:spPr>
         <p:txBody>
-          <a:bodyPr lIns="45719" tIns="45719" rIns="45719" bIns="45719"/>
+          <a:bodyPr lIns="45718" tIns="45718" rIns="45718" bIns="45718" numCol="1" spcCol="38100"/>
           <a:lstStyle>
             <a:lvl1pPr marL="0" indent="0" defTabSz="825500">
               <a:lnSpc>
@@ -2970,11 +3005,71 @@
               <a:buNone/>
               <a:defRPr b="1" sz="5500"/>
             </a:lvl1pPr>
+            <a:lvl2pPr marL="1308100" indent="-698500" defTabSz="825500">
+              <a:lnSpc>
+                <a:spcPct val="100000"/>
+              </a:lnSpc>
+              <a:spcBef>
+                <a:spcPts val="0"/>
+              </a:spcBef>
+              <a:defRPr b="1" sz="5500"/>
+            </a:lvl2pPr>
+            <a:lvl3pPr marL="1917700" indent="-698500" defTabSz="825500">
+              <a:lnSpc>
+                <a:spcPct val="100000"/>
+              </a:lnSpc>
+              <a:spcBef>
+                <a:spcPts val="0"/>
+              </a:spcBef>
+              <a:defRPr b="1" sz="5500"/>
+            </a:lvl3pPr>
+            <a:lvl4pPr marL="2527300" indent="-698500" defTabSz="825500">
+              <a:lnSpc>
+                <a:spcPct val="100000"/>
+              </a:lnSpc>
+              <a:spcBef>
+                <a:spcPts val="0"/>
+              </a:spcBef>
+              <a:defRPr b="1" sz="5500"/>
+            </a:lvl4pPr>
+            <a:lvl5pPr marL="3136900" indent="-698500" defTabSz="825500">
+              <a:lnSpc>
+                <a:spcPct val="100000"/>
+              </a:lnSpc>
+              <a:spcBef>
+                <a:spcPts val="0"/>
+              </a:spcBef>
+              <a:defRPr b="1" sz="5500"/>
+            </a:lvl5pPr>
           </a:lstStyle>
           <a:p>
             <a:pPr/>
             <a:r>
               <a:t>Agenda Subtitle</a:t>
+            </a:r>
+          </a:p>
+          <a:p>
+            <a:pPr lvl="1"/>
+            <a:r>
+              <a:t/>
+            </a:r>
+          </a:p>
+          <a:p>
+            <a:pPr lvl="2"/>
+            <a:r>
+              <a:t/>
+            </a:r>
+          </a:p>
+          <a:p>
+            <a:pPr lvl="3"/>
+            <a:r>
+              <a:t/>
+            </a:r>
+          </a:p>
+          <a:p>
+            <a:pPr lvl="4"/>
+            <a:r>
+              <a:t/>
             </a:r>
           </a:p>
         </p:txBody>
@@ -2984,16 +3079,20 @@
           <p:cNvPr id="90" name="Body Level One…"/>
           <p:cNvSpPr txBox="1"/>
           <p:nvPr>
-            <p:ph type="body" idx="1" hasCustomPrompt="1"/>
+            <p:ph type="body" idx="21" hasCustomPrompt="1"/>
           </p:nvPr>
         </p:nvSpPr>
         <p:spPr>
+          <a:xfrm>
+            <a:off x="1206500" y="4248503"/>
+            <a:ext cx="21971000" cy="8256014"/>
+          </a:xfrm>
           <a:prstGeom prst="rect">
             <a:avLst/>
           </a:prstGeom>
         </p:spPr>
         <p:txBody>
-          <a:bodyPr/>
+          <a:bodyPr numCol="1" spcCol="38100"/>
           <a:lstStyle>
             <a:lvl1pPr marL="0" indent="0" defTabSz="825500">
               <a:lnSpc>
@@ -3004,81 +3103,13 @@
               </a:spcBef>
               <a:buSzTx/>
               <a:buNone/>
-              <a:defRPr spc="-55" sz="5500"/>
+              <a:defRPr spc="-99" sz="5500"/>
             </a:lvl1pPr>
-            <a:lvl2pPr marL="0" indent="457200" defTabSz="825500">
-              <a:lnSpc>
-                <a:spcPct val="100000"/>
-              </a:lnSpc>
-              <a:spcBef>
-                <a:spcPts val="1800"/>
-              </a:spcBef>
-              <a:buSzTx/>
-              <a:buNone/>
-              <a:defRPr spc="-55" sz="5500"/>
-            </a:lvl2pPr>
-            <a:lvl3pPr marL="0" indent="914400" defTabSz="825500">
-              <a:lnSpc>
-                <a:spcPct val="100000"/>
-              </a:lnSpc>
-              <a:spcBef>
-                <a:spcPts val="1800"/>
-              </a:spcBef>
-              <a:buSzTx/>
-              <a:buNone/>
-              <a:defRPr spc="-55" sz="5500"/>
-            </a:lvl3pPr>
-            <a:lvl4pPr marL="0" indent="1371600" defTabSz="825500">
-              <a:lnSpc>
-                <a:spcPct val="100000"/>
-              </a:lnSpc>
-              <a:spcBef>
-                <a:spcPts val="1800"/>
-              </a:spcBef>
-              <a:buSzTx/>
-              <a:buNone/>
-              <a:defRPr spc="-55" sz="5500"/>
-            </a:lvl4pPr>
-            <a:lvl5pPr marL="0" indent="1828800" defTabSz="825500">
-              <a:lnSpc>
-                <a:spcPct val="100000"/>
-              </a:lnSpc>
-              <a:spcBef>
-                <a:spcPts val="1800"/>
-              </a:spcBef>
-              <a:buSzTx/>
-              <a:buNone/>
-              <a:defRPr spc="-55" sz="5500"/>
-            </a:lvl5pPr>
           </a:lstStyle>
           <a:p>
             <a:pPr/>
             <a:r>
               <a:t>Agenda Topics</a:t>
-            </a:r>
-          </a:p>
-          <a:p>
-            <a:pPr lvl="1"/>
-            <a:r>
-              <a:t/>
-            </a:r>
-          </a:p>
-          <a:p>
-            <a:pPr lvl="2"/>
-            <a:r>
-              <a:t/>
-            </a:r>
-          </a:p>
-          <a:p>
-            <a:pPr lvl="3"/>
-            <a:r>
-              <a:t/>
-            </a:r>
-          </a:p>
-          <a:p>
-            <a:pPr lvl="4"/>
-            <a:r>
-              <a:t/>
             </a:r>
           </a:p>
         </p:txBody>
@@ -3140,16 +3171,78 @@
       </p:grpSpPr>
       <p:sp>
         <p:nvSpPr>
-          <p:cNvPr id="2" name="Slide Title"/>
+          <p:cNvPr id="2" name="Body Level One…"/>
           <p:cNvSpPr txBox="1"/>
           <p:nvPr>
-            <p:ph type="title" hasCustomPrompt="1"/>
+            <p:ph type="body" idx="1" hasCustomPrompt="1"/>
           </p:nvPr>
         </p:nvSpPr>
         <p:spPr>
           <a:xfrm>
-            <a:off x="1206500" y="952500"/>
-            <a:ext cx="21971000" cy="1433163"/>
+            <a:off x="1206500" y="4248503"/>
+            <a:ext cx="21971000" cy="8256014"/>
+          </a:xfrm>
+          <a:prstGeom prst="rect">
+            <a:avLst/>
+          </a:prstGeom>
+          <a:ln w="12700">
+            <a:miter lim="400000"/>
+          </a:ln>
+          <a:extLst>
+            <a:ext uri="{C572A759-6A51-4108-AA02-DFA0A04FC94B}">
+              <ma14:wrappingTextBoxFlag xmlns:ma14="http://schemas.microsoft.com/office/mac/drawingml/2011/main" val="1"/>
+            </a:ext>
+          </a:extLst>
+        </p:spPr>
+        <p:txBody>
+          <a:bodyPr lIns="50800" tIns="50800" rIns="50800" bIns="50800" numCol="2" spcCol="1098550">
+            <a:normAutofit fontScale="100000" lnSpcReduction="0"/>
+          </a:bodyPr>
+          <a:lstStyle/>
+          <a:p>
+            <a:pPr/>
+            <a:r>
+              <a:t>Slide bullet text</a:t>
+            </a:r>
+          </a:p>
+          <a:p>
+            <a:pPr lvl="1"/>
+            <a:r>
+              <a:t/>
+            </a:r>
+          </a:p>
+          <a:p>
+            <a:pPr lvl="2"/>
+            <a:r>
+              <a:t/>
+            </a:r>
+          </a:p>
+          <a:p>
+            <a:pPr lvl="3"/>
+            <a:r>
+              <a:t/>
+            </a:r>
+          </a:p>
+          <a:p>
+            <a:pPr lvl="4"/>
+            <a:r>
+              <a:t/>
+            </a:r>
+          </a:p>
+        </p:txBody>
+      </p:sp>
+      <p:sp>
+        <p:nvSpPr>
+          <p:cNvPr id="3" name="Title Text"/>
+          <p:cNvSpPr txBox="1"/>
+          <p:nvPr>
+            <p:ph type="title"/>
+          </p:nvPr>
+        </p:nvSpPr>
+        <p:spPr>
+          <a:xfrm>
+            <a:off x="3653366" y="2743200"/>
+            <a:ext cx="19507201" cy="1505304"/>
           </a:xfrm>
           <a:prstGeom prst="rect">
             <a:avLst/>
@@ -3171,69 +3264,7 @@
           <a:p>
             <a:pPr/>
             <a:r>
-              <a:t>Slide Title</a:t>
-            </a:r>
-          </a:p>
-        </p:txBody>
-      </p:sp>
-      <p:sp>
-        <p:nvSpPr>
-          <p:cNvPr id="3" name="Body Level One…"/>
-          <p:cNvSpPr txBox="1"/>
-          <p:nvPr>
-            <p:ph type="body" idx="1" hasCustomPrompt="1"/>
-          </p:nvPr>
-        </p:nvSpPr>
-        <p:spPr>
-          <a:xfrm>
-            <a:off x="1206500" y="4248504"/>
-            <a:ext cx="21971000" cy="8256012"/>
-          </a:xfrm>
-          <a:prstGeom prst="rect">
-            <a:avLst/>
-          </a:prstGeom>
-          <a:ln w="12700">
-            <a:miter lim="400000"/>
-          </a:ln>
-          <a:extLst>
-            <a:ext uri="{C572A759-6A51-4108-AA02-DFA0A04FC94B}">
-              <ma14:wrappingTextBoxFlag xmlns:ma14="http://schemas.microsoft.com/office/mac/drawingml/2011/main" val="1"/>
-            </a:ext>
-          </a:extLst>
-        </p:spPr>
-        <p:txBody>
-          <a:bodyPr lIns="50800" tIns="50800" rIns="50800" bIns="50800">
-            <a:normAutofit fontScale="100000" lnSpcReduction="0"/>
-          </a:bodyPr>
-          <a:lstStyle/>
-          <a:p>
-            <a:pPr/>
-            <a:r>
-              <a:t>Slide bullet text</a:t>
-            </a:r>
-          </a:p>
-          <a:p>
-            <a:pPr lvl="1"/>
-            <a:r>
-              <a:t/>
-            </a:r>
-          </a:p>
-          <a:p>
-            <a:pPr lvl="2"/>
-            <a:r>
-              <a:t/>
-            </a:r>
-          </a:p>
-          <a:p>
-            <a:pPr lvl="3"/>
-            <a:r>
-              <a:t/>
-            </a:r>
-          </a:p>
-          <a:p>
-            <a:pPr lvl="4"/>
-            <a:r>
-              <a:t/>
+              <a:t>Title Text</a:t>
             </a:r>
           </a:p>
         </p:txBody>
@@ -3248,8 +3279,8 @@
         </p:nvSpPr>
         <p:spPr>
           <a:xfrm>
-            <a:off x="12001499" y="13080999"/>
-            <a:ext cx="368505" cy="374600"/>
+            <a:off x="12001500" y="13080999"/>
+            <a:ext cx="368504" cy="374600"/>
           </a:xfrm>
           <a:prstGeom prst="rect">
             <a:avLst/>
@@ -3300,7 +3331,7 @@
   <p:transition xmlns:p14="http://schemas.microsoft.com/office/powerpoint/2010/main" spd="med" advClick="1"/>
   <p:txStyles>
     <p:titleStyle>
-      <a:lvl1pPr marL="0" marR="0" indent="0" algn="l" defTabSz="2438338" rtl="0" latinLnBrk="0">
+      <a:lvl1pPr marL="0" marR="0" indent="0" algn="l" defTabSz="2438337" rtl="0" latinLnBrk="0">
         <a:lnSpc>
           <a:spcPct val="80000"/>
         </a:lnSpc>
@@ -3317,19 +3348,16 @@
         <a:tabLst/>
         <a:defRPr b="1" baseline="0" cap="none" i="0" spc="-170" strike="noStrike" sz="8500" u="none">
           <a:solidFill>
-            <a:schemeClr val="accent1">
-              <a:hueOff val="114395"/>
-              <a:lumOff val="-24975"/>
-            </a:schemeClr>
+            <a:srgbClr val="004D80"/>
           </a:solidFill>
           <a:uFillTx/>
-          <a:latin typeface="+mn-lt"/>
-          <a:ea typeface="+mn-ea"/>
-          <a:cs typeface="+mn-cs"/>
+          <a:latin typeface="+mj-lt"/>
+          <a:ea typeface="+mj-ea"/>
+          <a:cs typeface="+mj-cs"/>
           <a:sym typeface="Helvetica Neue"/>
         </a:defRPr>
       </a:lvl1pPr>
-      <a:lvl2pPr marL="0" marR="0" indent="457200" algn="l" defTabSz="2438338" rtl="0" latinLnBrk="0">
+      <a:lvl2pPr marL="0" marR="0" indent="0" algn="l" defTabSz="2438337" rtl="0" latinLnBrk="0">
         <a:lnSpc>
           <a:spcPct val="80000"/>
         </a:lnSpc>
@@ -3346,19 +3374,16 @@
         <a:tabLst/>
         <a:defRPr b="1" baseline="0" cap="none" i="0" spc="-170" strike="noStrike" sz="8500" u="none">
           <a:solidFill>
-            <a:schemeClr val="accent1">
-              <a:hueOff val="114395"/>
-              <a:lumOff val="-24975"/>
-            </a:schemeClr>
+            <a:srgbClr val="004D80"/>
           </a:solidFill>
           <a:uFillTx/>
-          <a:latin typeface="+mn-lt"/>
-          <a:ea typeface="+mn-ea"/>
-          <a:cs typeface="+mn-cs"/>
+          <a:latin typeface="+mj-lt"/>
+          <a:ea typeface="+mj-ea"/>
+          <a:cs typeface="+mj-cs"/>
           <a:sym typeface="Helvetica Neue"/>
         </a:defRPr>
       </a:lvl2pPr>
-      <a:lvl3pPr marL="0" marR="0" indent="914400" algn="l" defTabSz="2438338" rtl="0" latinLnBrk="0">
+      <a:lvl3pPr marL="0" marR="0" indent="0" algn="l" defTabSz="2438337" rtl="0" latinLnBrk="0">
         <a:lnSpc>
           <a:spcPct val="80000"/>
         </a:lnSpc>
@@ -3375,19 +3400,16 @@
         <a:tabLst/>
         <a:defRPr b="1" baseline="0" cap="none" i="0" spc="-170" strike="noStrike" sz="8500" u="none">
           <a:solidFill>
-            <a:schemeClr val="accent1">
-              <a:hueOff val="114395"/>
-              <a:lumOff val="-24975"/>
-            </a:schemeClr>
+            <a:srgbClr val="004D80"/>
           </a:solidFill>
           <a:uFillTx/>
-          <a:latin typeface="+mn-lt"/>
-          <a:ea typeface="+mn-ea"/>
-          <a:cs typeface="+mn-cs"/>
+          <a:latin typeface="+mj-lt"/>
+          <a:ea typeface="+mj-ea"/>
+          <a:cs typeface="+mj-cs"/>
           <a:sym typeface="Helvetica Neue"/>
         </a:defRPr>
       </a:lvl3pPr>
-      <a:lvl4pPr marL="0" marR="0" indent="1371600" algn="l" defTabSz="2438338" rtl="0" latinLnBrk="0">
+      <a:lvl4pPr marL="0" marR="0" indent="0" algn="l" defTabSz="2438337" rtl="0" latinLnBrk="0">
         <a:lnSpc>
           <a:spcPct val="80000"/>
         </a:lnSpc>
@@ -3404,19 +3426,16 @@
         <a:tabLst/>
         <a:defRPr b="1" baseline="0" cap="none" i="0" spc="-170" strike="noStrike" sz="8500" u="none">
           <a:solidFill>
-            <a:schemeClr val="accent1">
-              <a:hueOff val="114395"/>
-              <a:lumOff val="-24975"/>
-            </a:schemeClr>
+            <a:srgbClr val="004D80"/>
           </a:solidFill>
           <a:uFillTx/>
-          <a:latin typeface="+mn-lt"/>
-          <a:ea typeface="+mn-ea"/>
-          <a:cs typeface="+mn-cs"/>
+          <a:latin typeface="+mj-lt"/>
+          <a:ea typeface="+mj-ea"/>
+          <a:cs typeface="+mj-cs"/>
           <a:sym typeface="Helvetica Neue"/>
         </a:defRPr>
       </a:lvl4pPr>
-      <a:lvl5pPr marL="0" marR="0" indent="1828800" algn="l" defTabSz="2438338" rtl="0" latinLnBrk="0">
+      <a:lvl5pPr marL="0" marR="0" indent="0" algn="l" defTabSz="2438337" rtl="0" latinLnBrk="0">
         <a:lnSpc>
           <a:spcPct val="80000"/>
         </a:lnSpc>
@@ -3433,19 +3452,16 @@
         <a:tabLst/>
         <a:defRPr b="1" baseline="0" cap="none" i="0" spc="-170" strike="noStrike" sz="8500" u="none">
           <a:solidFill>
-            <a:schemeClr val="accent1">
-              <a:hueOff val="114395"/>
-              <a:lumOff val="-24975"/>
-            </a:schemeClr>
+            <a:srgbClr val="004D80"/>
           </a:solidFill>
           <a:uFillTx/>
-          <a:latin typeface="+mn-lt"/>
-          <a:ea typeface="+mn-ea"/>
-          <a:cs typeface="+mn-cs"/>
+          <a:latin typeface="+mj-lt"/>
+          <a:ea typeface="+mj-ea"/>
+          <a:cs typeface="+mj-cs"/>
           <a:sym typeface="Helvetica Neue"/>
         </a:defRPr>
       </a:lvl5pPr>
-      <a:lvl6pPr marL="0" marR="0" indent="2286000" algn="l" defTabSz="2438338" rtl="0" latinLnBrk="0">
+      <a:lvl6pPr marL="0" marR="0" indent="0" algn="l" defTabSz="2438337" rtl="0" latinLnBrk="0">
         <a:lnSpc>
           <a:spcPct val="80000"/>
         </a:lnSpc>
@@ -3462,19 +3478,16 @@
         <a:tabLst/>
         <a:defRPr b="1" baseline="0" cap="none" i="0" spc="-170" strike="noStrike" sz="8500" u="none">
           <a:solidFill>
-            <a:schemeClr val="accent1">
-              <a:hueOff val="114395"/>
-              <a:lumOff val="-24975"/>
-            </a:schemeClr>
+            <a:srgbClr val="004D80"/>
           </a:solidFill>
           <a:uFillTx/>
-          <a:latin typeface="+mn-lt"/>
-          <a:ea typeface="+mn-ea"/>
-          <a:cs typeface="+mn-cs"/>
+          <a:latin typeface="+mj-lt"/>
+          <a:ea typeface="+mj-ea"/>
+          <a:cs typeface="+mj-cs"/>
           <a:sym typeface="Helvetica Neue"/>
         </a:defRPr>
       </a:lvl6pPr>
-      <a:lvl7pPr marL="0" marR="0" indent="2743200" algn="l" defTabSz="2438338" rtl="0" latinLnBrk="0">
+      <a:lvl7pPr marL="0" marR="0" indent="0" algn="l" defTabSz="2438337" rtl="0" latinLnBrk="0">
         <a:lnSpc>
           <a:spcPct val="80000"/>
         </a:lnSpc>
@@ -3491,19 +3504,16 @@
         <a:tabLst/>
         <a:defRPr b="1" baseline="0" cap="none" i="0" spc="-170" strike="noStrike" sz="8500" u="none">
           <a:solidFill>
-            <a:schemeClr val="accent1">
-              <a:hueOff val="114395"/>
-              <a:lumOff val="-24975"/>
-            </a:schemeClr>
+            <a:srgbClr val="004D80"/>
           </a:solidFill>
           <a:uFillTx/>
-          <a:latin typeface="+mn-lt"/>
-          <a:ea typeface="+mn-ea"/>
-          <a:cs typeface="+mn-cs"/>
+          <a:latin typeface="+mj-lt"/>
+          <a:ea typeface="+mj-ea"/>
+          <a:cs typeface="+mj-cs"/>
           <a:sym typeface="Helvetica Neue"/>
         </a:defRPr>
       </a:lvl7pPr>
-      <a:lvl8pPr marL="0" marR="0" indent="3200400" algn="l" defTabSz="2438338" rtl="0" latinLnBrk="0">
+      <a:lvl8pPr marL="0" marR="0" indent="0" algn="l" defTabSz="2438337" rtl="0" latinLnBrk="0">
         <a:lnSpc>
           <a:spcPct val="80000"/>
         </a:lnSpc>
@@ -3520,19 +3530,16 @@
         <a:tabLst/>
         <a:defRPr b="1" baseline="0" cap="none" i="0" spc="-170" strike="noStrike" sz="8500" u="none">
           <a:solidFill>
-            <a:schemeClr val="accent1">
-              <a:hueOff val="114395"/>
-              <a:lumOff val="-24975"/>
-            </a:schemeClr>
+            <a:srgbClr val="004D80"/>
           </a:solidFill>
           <a:uFillTx/>
-          <a:latin typeface="+mn-lt"/>
-          <a:ea typeface="+mn-ea"/>
-          <a:cs typeface="+mn-cs"/>
+          <a:latin typeface="+mj-lt"/>
+          <a:ea typeface="+mj-ea"/>
+          <a:cs typeface="+mj-cs"/>
           <a:sym typeface="Helvetica Neue"/>
         </a:defRPr>
       </a:lvl8pPr>
-      <a:lvl9pPr marL="0" marR="0" indent="3657600" algn="l" defTabSz="2438338" rtl="0" latinLnBrk="0">
+      <a:lvl9pPr marL="0" marR="0" indent="0" algn="l" defTabSz="2438337" rtl="0" latinLnBrk="0">
         <a:lnSpc>
           <a:spcPct val="80000"/>
         </a:lnSpc>
@@ -3549,21 +3556,18 @@
         <a:tabLst/>
         <a:defRPr b="1" baseline="0" cap="none" i="0" spc="-170" strike="noStrike" sz="8500" u="none">
           <a:solidFill>
-            <a:schemeClr val="accent1">
-              <a:hueOff val="114395"/>
-              <a:lumOff val="-24975"/>
-            </a:schemeClr>
+            <a:srgbClr val="004D80"/>
           </a:solidFill>
           <a:uFillTx/>
-          <a:latin typeface="+mn-lt"/>
-          <a:ea typeface="+mn-ea"/>
-          <a:cs typeface="+mn-cs"/>
+          <a:latin typeface="+mj-lt"/>
+          <a:ea typeface="+mj-ea"/>
+          <a:cs typeface="+mj-cs"/>
           <a:sym typeface="Helvetica Neue"/>
         </a:defRPr>
       </a:lvl9pPr>
     </p:titleStyle>
     <p:bodyStyle>
-      <a:lvl1pPr marL="609600" marR="0" indent="-609600" algn="l" defTabSz="2438338" rtl="0" latinLnBrk="0">
+      <a:lvl1pPr marL="609600" marR="0" indent="-609600" algn="l" defTabSz="2438337" rtl="0" latinLnBrk="0">
         <a:lnSpc>
           <a:spcPct val="90000"/>
         </a:lnSpc>
@@ -3583,13 +3587,13 @@
             <a:srgbClr val="000000"/>
           </a:solidFill>
           <a:uFillTx/>
-          <a:latin typeface="+mn-lt"/>
-          <a:ea typeface="+mn-ea"/>
-          <a:cs typeface="+mn-cs"/>
+          <a:latin typeface="+mj-lt"/>
+          <a:ea typeface="+mj-ea"/>
+          <a:cs typeface="+mj-cs"/>
           <a:sym typeface="Helvetica Neue"/>
         </a:defRPr>
       </a:lvl1pPr>
-      <a:lvl2pPr marL="1219200" marR="0" indent="-609600" algn="l" defTabSz="2438338" rtl="0" latinLnBrk="0">
+      <a:lvl2pPr marL="1219200" marR="0" indent="-609600" algn="l" defTabSz="2438337" rtl="0" latinLnBrk="0">
         <a:lnSpc>
           <a:spcPct val="90000"/>
         </a:lnSpc>
@@ -3609,13 +3613,13 @@
             <a:srgbClr val="000000"/>
           </a:solidFill>
           <a:uFillTx/>
-          <a:latin typeface="+mn-lt"/>
-          <a:ea typeface="+mn-ea"/>
-          <a:cs typeface="+mn-cs"/>
+          <a:latin typeface="+mj-lt"/>
+          <a:ea typeface="+mj-ea"/>
+          <a:cs typeface="+mj-cs"/>
           <a:sym typeface="Helvetica Neue"/>
         </a:defRPr>
       </a:lvl2pPr>
-      <a:lvl3pPr marL="1828800" marR="0" indent="-609600" algn="l" defTabSz="2438338" rtl="0" latinLnBrk="0">
+      <a:lvl3pPr marL="1828800" marR="0" indent="-609600" algn="l" defTabSz="2438337" rtl="0" latinLnBrk="0">
         <a:lnSpc>
           <a:spcPct val="90000"/>
         </a:lnSpc>
@@ -3635,13 +3639,13 @@
             <a:srgbClr val="000000"/>
           </a:solidFill>
           <a:uFillTx/>
-          <a:latin typeface="+mn-lt"/>
-          <a:ea typeface="+mn-ea"/>
-          <a:cs typeface="+mn-cs"/>
+          <a:latin typeface="+mj-lt"/>
+          <a:ea typeface="+mj-ea"/>
+          <a:cs typeface="+mj-cs"/>
           <a:sym typeface="Helvetica Neue"/>
         </a:defRPr>
       </a:lvl3pPr>
-      <a:lvl4pPr marL="2438400" marR="0" indent="-609600" algn="l" defTabSz="2438338" rtl="0" latinLnBrk="0">
+      <a:lvl4pPr marL="2438400" marR="0" indent="-609600" algn="l" defTabSz="2438337" rtl="0" latinLnBrk="0">
         <a:lnSpc>
           <a:spcPct val="90000"/>
         </a:lnSpc>
@@ -3661,13 +3665,13 @@
             <a:srgbClr val="000000"/>
           </a:solidFill>
           <a:uFillTx/>
-          <a:latin typeface="+mn-lt"/>
-          <a:ea typeface="+mn-ea"/>
-          <a:cs typeface="+mn-cs"/>
+          <a:latin typeface="+mj-lt"/>
+          <a:ea typeface="+mj-ea"/>
+          <a:cs typeface="+mj-cs"/>
           <a:sym typeface="Helvetica Neue"/>
         </a:defRPr>
       </a:lvl4pPr>
-      <a:lvl5pPr marL="3048000" marR="0" indent="-609600" algn="l" defTabSz="2438338" rtl="0" latinLnBrk="0">
+      <a:lvl5pPr marL="3048000" marR="0" indent="-609600" algn="l" defTabSz="2438337" rtl="0" latinLnBrk="0">
         <a:lnSpc>
           <a:spcPct val="90000"/>
         </a:lnSpc>
@@ -3687,13 +3691,13 @@
             <a:srgbClr val="000000"/>
           </a:solidFill>
           <a:uFillTx/>
-          <a:latin typeface="+mn-lt"/>
-          <a:ea typeface="+mn-ea"/>
-          <a:cs typeface="+mn-cs"/>
+          <a:latin typeface="+mj-lt"/>
+          <a:ea typeface="+mj-ea"/>
+          <a:cs typeface="+mj-cs"/>
           <a:sym typeface="Helvetica Neue"/>
         </a:defRPr>
       </a:lvl5pPr>
-      <a:lvl6pPr marL="3657600" marR="0" indent="-609600" algn="l" defTabSz="2438338" rtl="0" latinLnBrk="0">
+      <a:lvl6pPr marL="3657600" marR="0" indent="-609600" algn="l" defTabSz="2438337" rtl="0" latinLnBrk="0">
         <a:lnSpc>
           <a:spcPct val="90000"/>
         </a:lnSpc>
@@ -3713,13 +3717,13 @@
             <a:srgbClr val="000000"/>
           </a:solidFill>
           <a:uFillTx/>
-          <a:latin typeface="+mn-lt"/>
-          <a:ea typeface="+mn-ea"/>
-          <a:cs typeface="+mn-cs"/>
+          <a:latin typeface="+mj-lt"/>
+          <a:ea typeface="+mj-ea"/>
+          <a:cs typeface="+mj-cs"/>
           <a:sym typeface="Helvetica Neue"/>
         </a:defRPr>
       </a:lvl6pPr>
-      <a:lvl7pPr marL="4267200" marR="0" indent="-609600" algn="l" defTabSz="2438338" rtl="0" latinLnBrk="0">
+      <a:lvl7pPr marL="4267200" marR="0" indent="-609600" algn="l" defTabSz="2438337" rtl="0" latinLnBrk="0">
         <a:lnSpc>
           <a:spcPct val="90000"/>
         </a:lnSpc>
@@ -3739,13 +3743,13 @@
             <a:srgbClr val="000000"/>
           </a:solidFill>
           <a:uFillTx/>
-          <a:latin typeface="+mn-lt"/>
-          <a:ea typeface="+mn-ea"/>
-          <a:cs typeface="+mn-cs"/>
+          <a:latin typeface="+mj-lt"/>
+          <a:ea typeface="+mj-ea"/>
+          <a:cs typeface="+mj-cs"/>
           <a:sym typeface="Helvetica Neue"/>
         </a:defRPr>
       </a:lvl7pPr>
-      <a:lvl8pPr marL="4876800" marR="0" indent="-609600" algn="l" defTabSz="2438338" rtl="0" latinLnBrk="0">
+      <a:lvl8pPr marL="4876800" marR="0" indent="-609600" algn="l" defTabSz="2438337" rtl="0" latinLnBrk="0">
         <a:lnSpc>
           <a:spcPct val="90000"/>
         </a:lnSpc>
@@ -3765,13 +3769,13 @@
             <a:srgbClr val="000000"/>
           </a:solidFill>
           <a:uFillTx/>
-          <a:latin typeface="+mn-lt"/>
-          <a:ea typeface="+mn-ea"/>
-          <a:cs typeface="+mn-cs"/>
+          <a:latin typeface="+mj-lt"/>
+          <a:ea typeface="+mj-ea"/>
+          <a:cs typeface="+mj-cs"/>
           <a:sym typeface="Helvetica Neue"/>
         </a:defRPr>
       </a:lvl8pPr>
-      <a:lvl9pPr marL="5486400" marR="0" indent="-609600" algn="l" defTabSz="2438338" rtl="0" latinLnBrk="0">
+      <a:lvl9pPr marL="5486400" marR="0" indent="-609600" algn="l" defTabSz="2438337" rtl="0" latinLnBrk="0">
         <a:lnSpc>
           <a:spcPct val="90000"/>
         </a:lnSpc>
@@ -3791,9 +3795,9 @@
             <a:srgbClr val="000000"/>
           </a:solidFill>
           <a:uFillTx/>
-          <a:latin typeface="+mn-lt"/>
-          <a:ea typeface="+mn-ea"/>
-          <a:cs typeface="+mn-cs"/>
+          <a:latin typeface="+mj-lt"/>
+          <a:ea typeface="+mj-ea"/>
+          <a:cs typeface="+mj-cs"/>
           <a:sym typeface="Helvetica Neue"/>
         </a:defRPr>
       </a:lvl9pPr>
@@ -3825,7 +3829,7 @@
           <a:sym typeface="Helvetica Neue"/>
         </a:defRPr>
       </a:lvl1pPr>
-      <a:lvl2pPr marL="0" marR="0" indent="457200" algn="ctr" defTabSz="584200" rtl="0" latinLnBrk="0">
+      <a:lvl2pPr marL="0" marR="0" indent="0" algn="ctr" defTabSz="584200" rtl="0" latinLnBrk="0">
         <a:lnSpc>
           <a:spcPct val="100000"/>
         </a:lnSpc>
@@ -3851,7 +3855,7 @@
           <a:sym typeface="Helvetica Neue"/>
         </a:defRPr>
       </a:lvl2pPr>
-      <a:lvl3pPr marL="0" marR="0" indent="914400" algn="ctr" defTabSz="584200" rtl="0" latinLnBrk="0">
+      <a:lvl3pPr marL="0" marR="0" indent="0" algn="ctr" defTabSz="584200" rtl="0" latinLnBrk="0">
         <a:lnSpc>
           <a:spcPct val="100000"/>
         </a:lnSpc>
@@ -3877,7 +3881,7 @@
           <a:sym typeface="Helvetica Neue"/>
         </a:defRPr>
       </a:lvl3pPr>
-      <a:lvl4pPr marL="0" marR="0" indent="1371600" algn="ctr" defTabSz="584200" rtl="0" latinLnBrk="0">
+      <a:lvl4pPr marL="0" marR="0" indent="0" algn="ctr" defTabSz="584200" rtl="0" latinLnBrk="0">
         <a:lnSpc>
           <a:spcPct val="100000"/>
         </a:lnSpc>
@@ -3903,7 +3907,7 @@
           <a:sym typeface="Helvetica Neue"/>
         </a:defRPr>
       </a:lvl4pPr>
-      <a:lvl5pPr marL="0" marR="0" indent="1828800" algn="ctr" defTabSz="584200" rtl="0" latinLnBrk="0">
+      <a:lvl5pPr marL="0" marR="0" indent="0" algn="ctr" defTabSz="584200" rtl="0" latinLnBrk="0">
         <a:lnSpc>
           <a:spcPct val="100000"/>
         </a:lnSpc>
@@ -3929,7 +3933,7 @@
           <a:sym typeface="Helvetica Neue"/>
         </a:defRPr>
       </a:lvl5pPr>
-      <a:lvl6pPr marL="0" marR="0" indent="2286000" algn="ctr" defTabSz="584200" rtl="0" latinLnBrk="0">
+      <a:lvl6pPr marL="0" marR="0" indent="0" algn="ctr" defTabSz="584200" rtl="0" latinLnBrk="0">
         <a:lnSpc>
           <a:spcPct val="100000"/>
         </a:lnSpc>
@@ -3955,7 +3959,7 @@
           <a:sym typeface="Helvetica Neue"/>
         </a:defRPr>
       </a:lvl6pPr>
-      <a:lvl7pPr marL="0" marR="0" indent="2743200" algn="ctr" defTabSz="584200" rtl="0" latinLnBrk="0">
+      <a:lvl7pPr marL="0" marR="0" indent="0" algn="ctr" defTabSz="584200" rtl="0" latinLnBrk="0">
         <a:lnSpc>
           <a:spcPct val="100000"/>
         </a:lnSpc>
@@ -3981,7 +3985,7 @@
           <a:sym typeface="Helvetica Neue"/>
         </a:defRPr>
       </a:lvl7pPr>
-      <a:lvl8pPr marL="0" marR="0" indent="3200400" algn="ctr" defTabSz="584200" rtl="0" latinLnBrk="0">
+      <a:lvl8pPr marL="0" marR="0" indent="0" algn="ctr" defTabSz="584200" rtl="0" latinLnBrk="0">
         <a:lnSpc>
           <a:spcPct val="100000"/>
         </a:lnSpc>
@@ -4007,7 +4011,7 @@
           <a:sym typeface="Helvetica Neue"/>
         </a:defRPr>
       </a:lvl8pPr>
-      <a:lvl9pPr marL="0" marR="0" indent="3657600" algn="ctr" defTabSz="584200" rtl="0" latinLnBrk="0">
+      <a:lvl9pPr marL="0" marR="0" indent="0" algn="ctr" defTabSz="584200" rtl="0" latinLnBrk="0">
         <a:lnSpc>
           <a:spcPct val="100000"/>
         </a:lnSpc>
@@ -4044,9 +4048,7 @@
     <p:bg>
       <p:bgPr>
         <a:solidFill>
-          <a:schemeClr val="accent1">
-            <a:lumOff val="-13575"/>
-          </a:schemeClr>
+          <a:srgbClr val="0076BA"/>
         </a:solidFill>
       </p:bgPr>
     </p:bg>
@@ -4069,13 +4071,78 @@
           <p:cNvPr id="151" name="Shivam Rattan (GBC Blockchain development course - 2020-21 - Student id: 101339648)"/>
           <p:cNvSpPr txBox="1"/>
           <p:nvPr>
-            <p:ph type="body" idx="21"/>
+            <p:ph type="body" sz="quarter" idx="1"/>
           </p:nvPr>
         </p:nvSpPr>
         <p:spPr>
+          <a:xfrm>
+            <a:off x="1201341" y="11847162"/>
+            <a:ext cx="21971002" cy="636980"/>
+          </a:xfrm>
           <a:prstGeom prst="rect">
             <a:avLst/>
           </a:prstGeom>
+        </p:spPr>
+        <p:txBody>
+          <a:bodyPr/>
+          <a:lstStyle/>
+          <a:p>
+            <a:pPr/>
+            <a:r>
+              <a:t>Shivam Rattan (GBC Blockchain development course - 2020-21 - Student id: 101339648)</a:t>
+            </a:r>
+          </a:p>
+        </p:txBody>
+      </p:sp>
+      <p:sp>
+        <p:nvSpPr>
+          <p:cNvPr id="152" name="Better Credit Bureau"/>
+          <p:cNvSpPr txBox="1"/>
+          <p:nvPr>
+            <p:ph type="title"/>
+          </p:nvPr>
+        </p:nvSpPr>
+        <p:spPr>
+          <a:xfrm>
+            <a:off x="1206495" y="2574990"/>
+            <a:ext cx="21971006" cy="4648203"/>
+          </a:xfrm>
+          <a:prstGeom prst="rect">
+            <a:avLst/>
+          </a:prstGeom>
+        </p:spPr>
+        <p:txBody>
+          <a:bodyPr/>
+          <a:lstStyle>
+            <a:lvl1pPr>
+              <a:defRPr spc="-300"/>
+            </a:lvl1pPr>
+          </a:lstStyle>
+          <a:p>
+            <a:pPr/>
+            <a:r>
+              <a:t>Better Credit Bureau</a:t>
+            </a:r>
+          </a:p>
+        </p:txBody>
+      </p:sp>
+      <p:sp>
+        <p:nvSpPr>
+          <p:cNvPr id="153" name="A BCDV1014 - DAPP2 capstone project presentation"/>
+          <p:cNvSpPr txBox="1"/>
+          <p:nvPr/>
+        </p:nvSpPr>
+        <p:spPr>
+          <a:xfrm>
+            <a:off x="1201342" y="7210490"/>
+            <a:ext cx="21971002" cy="1905002"/>
+          </a:xfrm>
+          <a:prstGeom prst="rect">
+            <a:avLst/>
+          </a:prstGeom>
+          <a:ln w="12700">
+            <a:miter lim="400000"/>
+          </a:ln>
           <a:extLst>
             <a:ext uri="{C572A759-6A51-4108-AA02-DFA0A04FC94B}">
               <ma14:wrappingTextBoxFlag xmlns:ma14="http://schemas.microsoft.com/office/mac/drawingml/2011/main" val="1"/>
@@ -4083,58 +4150,18 @@
           </a:extLst>
         </p:spPr>
         <p:txBody>
-          <a:bodyPr/>
+          <a:bodyPr lIns="50800" tIns="50800" rIns="50800" bIns="50800">
+            <a:normAutofit fontScale="100000" lnSpcReduction="0"/>
+          </a:bodyPr>
           <a:lstStyle/>
           <a:p>
-            <a:pPr/>
-            <a:r>
-              <a:t>Shivam Rattan (GBC Blockchain development course - 2020-21 - Student id: 101339648)</a:t>
-            </a:r>
-          </a:p>
-        </p:txBody>
-      </p:sp>
-      <p:sp>
-        <p:nvSpPr>
-          <p:cNvPr id="152" name="Better Credit Bureau"/>
-          <p:cNvSpPr txBox="1"/>
-          <p:nvPr>
-            <p:ph type="ctrTitle"/>
-          </p:nvPr>
-        </p:nvSpPr>
-        <p:spPr>
-          <a:prstGeom prst="rect">
-            <a:avLst/>
-          </a:prstGeom>
-        </p:spPr>
-        <p:txBody>
-          <a:bodyPr/>
-          <a:lstStyle/>
-          <a:p>
-            <a:pPr/>
-            <a:r>
-              <a:t>Better Credit Bureau</a:t>
-            </a:r>
-          </a:p>
-        </p:txBody>
-      </p:sp>
-      <p:sp>
-        <p:nvSpPr>
-          <p:cNvPr id="153" name="A BCDV1014 - DAPP2 capstone project presentation"/>
-          <p:cNvSpPr txBox="1"/>
-          <p:nvPr>
-            <p:ph type="subTitle" sz="quarter" idx="1"/>
-          </p:nvPr>
-        </p:nvSpPr>
-        <p:spPr>
-          <a:prstGeom prst="rect">
-            <a:avLst/>
-          </a:prstGeom>
-        </p:spPr>
-        <p:txBody>
-          <a:bodyPr/>
-          <a:lstStyle/>
-          <a:p>
-            <a:pPr/>
+            <a:pPr algn="l" defTabSz="825500">
+              <a:defRPr b="1" sz="5500">
+                <a:solidFill>
+                  <a:schemeClr val="accent1"/>
+                </a:solidFill>
+              </a:defRPr>
+            </a:pPr>
             <a:r>
               <a:t>A </a:t>
             </a:r>
@@ -4178,9 +4205,7 @@
     <p:bg>
       <p:bgPr>
         <a:solidFill>
-          <a:schemeClr val="accent1">
-            <a:lumOff val="-13575"/>
-          </a:schemeClr>
+          <a:srgbClr val="0076BA"/>
         </a:solidFill>
       </p:bgPr>
     </p:bg>
@@ -4208,8 +4233,8 @@
         </p:nvSpPr>
         <p:spPr>
           <a:xfrm>
-            <a:off x="1206498" y="2461096"/>
-            <a:ext cx="21971004" cy="2390375"/>
+            <a:off x="1206497" y="2461096"/>
+            <a:ext cx="21971006" cy="2390376"/>
           </a:xfrm>
           <a:prstGeom prst="rect">
             <a:avLst/>
@@ -4219,7 +4244,7 @@
           <a:bodyPr/>
           <a:lstStyle>
             <a:lvl1pPr defTabSz="1755604">
-              <a:defRPr spc="-167" sz="8352"/>
+              <a:defRPr spc="-199" sz="8300"/>
             </a:lvl1pPr>
           </a:lstStyle>
           <a:p>
@@ -4248,7 +4273,7 @@
           </a:prstGeom>
         </p:spPr>
         <p:txBody>
-          <a:bodyPr/>
+          <a:bodyPr numCol="1" spcCol="38100"/>
           <a:lstStyle/>
           <a:p>
             <a:pPr marL="0" indent="0" defTabSz="825500">
@@ -4370,9 +4395,7 @@
     <p:bg>
       <p:bgPr>
         <a:solidFill>
-          <a:schemeClr val="accent1">
-            <a:lumOff val="-13575"/>
-          </a:schemeClr>
+          <a:srgbClr val="0076BA"/>
         </a:solidFill>
       </p:bgPr>
     </p:bg>
@@ -4400,8 +4423,8 @@
         </p:nvSpPr>
         <p:spPr>
           <a:xfrm>
-            <a:off x="1206498" y="371972"/>
-            <a:ext cx="21971004" cy="4648201"/>
+            <a:off x="1206497" y="371971"/>
+            <a:ext cx="21971006" cy="4648203"/>
           </a:xfrm>
           <a:prstGeom prst="rect">
             <a:avLst/>
@@ -4409,7 +4432,11 @@
         </p:spPr>
         <p:txBody>
           <a:bodyPr/>
-          <a:lstStyle/>
+          <a:lstStyle>
+            <a:lvl1pPr>
+              <a:defRPr spc="-300"/>
+            </a:lvl1pPr>
+          </a:lstStyle>
           <a:p>
             <a:pPr/>
             <a:r>
@@ -4436,7 +4463,7 @@
           </a:prstGeom>
         </p:spPr>
         <p:txBody>
-          <a:bodyPr/>
+          <a:bodyPr numCol="1" spcCol="38100"/>
           <a:lstStyle/>
           <a:p>
             <a:pPr marL="0" indent="0" defTabSz="825500">
@@ -4515,9 +4542,7 @@
     <p:bg>
       <p:bgPr>
         <a:solidFill>
-          <a:schemeClr val="accent1">
-            <a:lumOff val="-13575"/>
-          </a:schemeClr>
+          <a:srgbClr val="0076BA"/>
         </a:solidFill>
       </p:bgPr>
     </p:bg>
@@ -4545,8 +4570,8 @@
         </p:nvSpPr>
         <p:spPr>
           <a:xfrm>
-            <a:off x="1206498" y="758468"/>
-            <a:ext cx="21971004" cy="2176387"/>
+            <a:off x="1206497" y="758468"/>
+            <a:ext cx="21971006" cy="2176387"/>
           </a:xfrm>
           <a:prstGeom prst="rect">
             <a:avLst/>
@@ -4554,7 +4579,11 @@
         </p:spPr>
         <p:txBody>
           <a:bodyPr/>
-          <a:lstStyle/>
+          <a:lstStyle>
+            <a:lvl1pPr>
+              <a:defRPr spc="-300"/>
+            </a:lvl1pPr>
+          </a:lstStyle>
           <a:p>
             <a:pPr/>
             <a:r>
@@ -4573,15 +4602,15 @@
         </p:nvSpPr>
         <p:spPr>
           <a:xfrm>
-            <a:off x="1206500" y="3485125"/>
-            <a:ext cx="21971000" cy="9273392"/>
+            <a:off x="1206500" y="3485124"/>
+            <a:ext cx="21971000" cy="9273393"/>
           </a:xfrm>
           <a:prstGeom prst="rect">
             <a:avLst/>
           </a:prstGeom>
         </p:spPr>
         <p:txBody>
-          <a:bodyPr/>
+          <a:bodyPr numCol="1" spcCol="38100"/>
           <a:lstStyle/>
           <a:p>
             <a:pPr marL="0" indent="0" defTabSz="825500">
@@ -4750,9 +4779,7 @@
     <p:bg>
       <p:bgPr>
         <a:solidFill>
-          <a:schemeClr val="accent1">
-            <a:lumOff val="-13575"/>
-          </a:schemeClr>
+          <a:srgbClr val="0076BA"/>
         </a:solidFill>
       </p:bgPr>
     </p:bg>
@@ -4780,8 +4807,8 @@
         </p:nvSpPr>
         <p:spPr>
           <a:xfrm>
-            <a:off x="8847726" y="5857964"/>
-            <a:ext cx="6688548" cy="2000072"/>
+            <a:off x="8847725" y="5857964"/>
+            <a:ext cx="6688549" cy="2000072"/>
           </a:xfrm>
           <a:prstGeom prst="rect">
             <a:avLst/>
@@ -4789,7 +4816,11 @@
         </p:spPr>
         <p:txBody>
           <a:bodyPr/>
-          <a:lstStyle/>
+          <a:lstStyle>
+            <a:lvl1pPr>
+              <a:defRPr spc="-300"/>
+            </a:lvl1pPr>
+          </a:lstStyle>
           <a:p>
             <a:pPr/>
             <a:r>
@@ -4813,9 +4844,7 @@
     <p:bg>
       <p:bgPr>
         <a:solidFill>
-          <a:schemeClr val="accent1">
-            <a:lumOff val="-13575"/>
-          </a:schemeClr>
+          <a:srgbClr val="0076BA"/>
         </a:solidFill>
       </p:bgPr>
     </p:bg>
@@ -4851,8 +4880,8 @@
         </p:blipFill>
         <p:spPr>
           <a:xfrm>
-            <a:off x="1338881" y="596144"/>
-            <a:ext cx="21706238" cy="12127568"/>
+            <a:off x="1338880" y="596143"/>
+            <a:ext cx="21706239" cy="12127570"/>
           </a:xfrm>
           <a:prstGeom prst="rect">
             <a:avLst/>
@@ -4877,9 +4906,7 @@
     <p:bg>
       <p:bgPr>
         <a:solidFill>
-          <a:schemeClr val="accent1">
-            <a:lumOff val="-13575"/>
-          </a:schemeClr>
+          <a:srgbClr val="0076BA"/>
         </a:solidFill>
       </p:bgPr>
     </p:bg>
@@ -4915,8 +4942,8 @@
         </p:blipFill>
         <p:spPr>
           <a:xfrm>
-            <a:off x="2043000" y="319489"/>
-            <a:ext cx="20298000" cy="13077022"/>
+            <a:off x="2042999" y="319489"/>
+            <a:ext cx="20298001" cy="13077022"/>
           </a:xfrm>
           <a:prstGeom prst="rect">
             <a:avLst/>
@@ -4941,9 +4968,7 @@
     <p:bg>
       <p:bgPr>
         <a:solidFill>
-          <a:schemeClr val="accent1">
-            <a:lumOff val="-13575"/>
-          </a:schemeClr>
+          <a:srgbClr val="0076BA"/>
         </a:solidFill>
       </p:bgPr>
     </p:bg>
@@ -4979,8 +5004,8 @@
         </p:blipFill>
         <p:spPr>
           <a:xfrm>
-            <a:off x="1666295" y="169205"/>
-            <a:ext cx="21051410" cy="13377590"/>
+            <a:off x="1666294" y="169204"/>
+            <a:ext cx="21051411" cy="13377591"/>
           </a:xfrm>
           <a:prstGeom prst="rect">
             <a:avLst/>
@@ -5005,9 +5030,7 @@
     <p:bg>
       <p:bgPr>
         <a:solidFill>
-          <a:schemeClr val="accent1">
-            <a:lumOff val="-13575"/>
-          </a:schemeClr>
+          <a:srgbClr val="0076BA"/>
         </a:solidFill>
       </p:bgPr>
     </p:bg>
@@ -5043,8 +5066,8 @@
         </p:blipFill>
         <p:spPr>
           <a:xfrm>
-            <a:off x="2675098" y="121676"/>
-            <a:ext cx="19383931" cy="13472648"/>
+            <a:off x="2675097" y="121676"/>
+            <a:ext cx="19383933" cy="13472648"/>
           </a:xfrm>
           <a:prstGeom prst="rect">
             <a:avLst/>
@@ -5069,9 +5092,7 @@
     <p:bg>
       <p:bgPr>
         <a:solidFill>
-          <a:schemeClr val="accent1">
-            <a:lumOff val="-13575"/>
-          </a:schemeClr>
+          <a:srgbClr val="0076BA"/>
         </a:solidFill>
       </p:bgPr>
     </p:bg>
@@ -5099,8 +5120,8 @@
         </p:nvSpPr>
         <p:spPr>
           <a:xfrm>
-            <a:off x="1431398" y="5587937"/>
-            <a:ext cx="8555125" cy="2540125"/>
+            <a:off x="1431397" y="5587936"/>
+            <a:ext cx="8555127" cy="2540126"/>
           </a:xfrm>
           <a:prstGeom prst="rect">
             <a:avLst/>
@@ -5108,7 +5129,11 @@
         </p:spPr>
         <p:txBody>
           <a:bodyPr/>
-          <a:lstStyle/>
+          <a:lstStyle>
+            <a:lvl1pPr>
+              <a:defRPr spc="-300"/>
+            </a:lvl1pPr>
+          </a:lstStyle>
           <a:p>
             <a:pPr/>
             <a:r>
@@ -5161,9 +5186,7 @@
     <p:bg>
       <p:bgPr>
         <a:solidFill>
-          <a:schemeClr val="accent1">
-            <a:lumOff val="-13575"/>
-          </a:schemeClr>
+          <a:srgbClr val="0076BA"/>
         </a:solidFill>
       </p:bgPr>
     </p:bg>
@@ -5191,8 +5214,8 @@
         </p:nvSpPr>
         <p:spPr>
           <a:xfrm>
-            <a:off x="1206498" y="500152"/>
-            <a:ext cx="21971004" cy="1905001"/>
+            <a:off x="1206497" y="500151"/>
+            <a:ext cx="21971006" cy="1905002"/>
           </a:xfrm>
           <a:prstGeom prst="rect">
             <a:avLst/>
@@ -5203,7 +5226,7 @@
           <a:lstStyle/>
           <a:p>
             <a:pPr defTabSz="1999437">
-              <a:defRPr spc="-190" sz="9512">
+              <a:defRPr spc="-200" sz="9500">
                 <a:solidFill>
                   <a:schemeClr val="accent1"/>
                 </a:solidFill>
@@ -5245,14 +5268,14 @@
         <p:spPr>
           <a:xfrm>
             <a:off x="1206500" y="3555241"/>
-            <a:ext cx="21971000" cy="6912847"/>
+            <a:ext cx="21971000" cy="6912848"/>
           </a:xfrm>
           <a:prstGeom prst="rect">
             <a:avLst/>
           </a:prstGeom>
         </p:spPr>
         <p:txBody>
-          <a:bodyPr/>
+          <a:bodyPr numCol="1" spcCol="38100"/>
           <a:lstStyle/>
           <a:p>
             <a:pPr marL="0" indent="0" defTabSz="825500">
@@ -5456,15 +5479,10 @@
               <a:buNone/>
               <a:defRPr b="1" sz="5500">
                 <a:solidFill>
-                  <a:schemeClr val="accent1"/>
+                  <a:srgbClr val="FFFFFF"/>
                 </a:solidFill>
               </a:defRPr>
             </a:pPr>
-            <a:endParaRPr>
-              <a:solidFill>
-                <a:srgbClr val="FFFFFF"/>
-              </a:solidFill>
-            </a:endParaRPr>
           </a:p>
           <a:p>
             <a:pPr marL="0" indent="0" defTabSz="825500">
@@ -5478,15 +5496,10 @@
               <a:buNone/>
               <a:defRPr b="1" sz="5500">
                 <a:solidFill>
-                  <a:schemeClr val="accent1"/>
+                  <a:srgbClr val="FFFFFF"/>
                 </a:solidFill>
               </a:defRPr>
             </a:pPr>
-            <a:endParaRPr>
-              <a:solidFill>
-                <a:srgbClr val="FFFFFF"/>
-              </a:solidFill>
-            </a:endParaRPr>
           </a:p>
           <a:p>
             <a:pPr marL="0" indent="0" defTabSz="825500">
@@ -5500,27 +5513,22 @@
               <a:buNone/>
               <a:defRPr b="1" sz="5500">
                 <a:solidFill>
-                  <a:schemeClr val="accent1"/>
+                  <a:srgbClr val="FFFFFF"/>
                 </a:solidFill>
               </a:defRPr>
             </a:pPr>
             <a:r>
+              <a:t>Questions? </a:t>
+            </a:r>
+            <a:r>
               <a:rPr>
                 <a:solidFill>
-                  <a:srgbClr val="FFFFFF"/>
+                  <a:schemeClr val="accent1"/>
                 </a:solidFill>
               </a:rPr>
-              <a:t>Questions? </a:t>
-            </a:r>
-            <a:r>
               <a:t>Reach out to</a:t>
             </a:r>
             <a:r>
-              <a:rPr>
-                <a:solidFill>
-                  <a:srgbClr val="FFFFFF"/>
-                </a:solidFill>
-              </a:rPr>
               <a:t> shivam.rattan@georgebrown.ca</a:t>
             </a:r>
           </a:p>
@@ -5541,9 +5549,7 @@
     <p:bg>
       <p:bgPr>
         <a:solidFill>
-          <a:schemeClr val="accent1">
-            <a:lumOff val="-13575"/>
-          </a:schemeClr>
+          <a:srgbClr val="0076BA"/>
         </a:solidFill>
       </p:bgPr>
     </p:bg>
@@ -5571,8 +5577,8 @@
         </p:nvSpPr>
         <p:spPr>
           <a:xfrm>
-            <a:off x="1206498" y="9329"/>
-            <a:ext cx="14060981" cy="2963252"/>
+            <a:off x="1206497" y="9328"/>
+            <a:ext cx="14060982" cy="2963254"/>
           </a:xfrm>
           <a:prstGeom prst="rect">
             <a:avLst/>
@@ -5580,7 +5586,11 @@
         </p:spPr>
         <p:txBody>
           <a:bodyPr/>
-          <a:lstStyle/>
+          <a:lstStyle>
+            <a:lvl1pPr>
+              <a:defRPr spc="-300"/>
+            </a:lvl1pPr>
+          </a:lstStyle>
           <a:p>
             <a:pPr/>
             <a:r>
@@ -5599,15 +5609,15 @@
         </p:nvSpPr>
         <p:spPr>
           <a:xfrm>
-            <a:off x="1313284" y="3393409"/>
-            <a:ext cx="21757432" cy="4971066"/>
+            <a:off x="1048763" y="3321267"/>
+            <a:ext cx="21757433" cy="4971067"/>
           </a:xfrm>
           <a:prstGeom prst="rect">
             <a:avLst/>
           </a:prstGeom>
         </p:spPr>
         <p:txBody>
-          <a:bodyPr/>
+          <a:bodyPr numCol="1" spcCol="38100"/>
           <a:lstStyle/>
           <a:p>
             <a:pPr marL="0" indent="0" defTabSz="742950">
@@ -5619,7 +5629,7 @@
               </a:spcBef>
               <a:buSzTx/>
               <a:buNone/>
-              <a:defRPr b="1" sz="4950">
+              <a:defRPr b="1" sz="4900">
                 <a:solidFill>
                   <a:schemeClr val="accent1"/>
                 </a:solidFill>
@@ -5647,7 +5657,7 @@
               </a:spcBef>
               <a:buSzTx/>
               <a:buNone/>
-              <a:defRPr b="1" sz="4950">
+              <a:defRPr b="1" sz="4900">
                 <a:solidFill>
                   <a:schemeClr val="accent1"/>
                 </a:solidFill>
@@ -5686,7 +5696,7 @@
               </a:spcBef>
               <a:buSzTx/>
               <a:buNone/>
-              <a:defRPr b="1" sz="4950">
+              <a:defRPr b="1" sz="4900">
                 <a:solidFill>
                   <a:schemeClr val="accent1"/>
                 </a:solidFill>
@@ -5700,6 +5710,11 @@
                 <a:solidFill>
                   <a:srgbClr val="FFFFFF"/>
                 </a:solidFill>
+                <a:uFill>
+                  <a:solidFill>
+                    <a:srgbClr val="0000FF"/>
+                  </a:solidFill>
+                </a:uFill>
                 <a:hlinkClick r:id="rId2" invalidUrl="" action="" tgtFrame="" tooltip="" history="1" highlightClick="0" endSnd="0"/>
               </a:rPr>
               <a:t>shivam.rattan@georgebrown.com</a:t>
@@ -5723,7 +5738,7 @@
               </a:spcBef>
               <a:buSzTx/>
               <a:buNone/>
-              <a:defRPr b="1" sz="4950">
+              <a:defRPr b="1" sz="4900">
                 <a:solidFill>
                   <a:schemeClr val="accent1"/>
                 </a:solidFill>
@@ -5737,6 +5752,11 @@
                 <a:solidFill>
                   <a:srgbClr val="FFFFFF"/>
                 </a:solidFill>
+                <a:uFill>
+                  <a:solidFill>
+                    <a:srgbClr val="0000FF"/>
+                  </a:solidFill>
+                </a:uFill>
                 <a:hlinkClick r:id="rId3" invalidUrl="" action="" tgtFrame="" tooltip="" history="1" highlightClick="0" endSnd="0"/>
               </a:rPr>
               <a:t>https://www.linkedin.com/in/shivamrattan/</a:t>
@@ -5755,7 +5775,7 @@
               </a:spcBef>
               <a:buSzTx/>
               <a:buNone/>
-              <a:defRPr b="1" sz="4950">
+              <a:defRPr b="1" sz="4900">
                 <a:solidFill>
                   <a:schemeClr val="accent1"/>
                 </a:solidFill>
@@ -5769,6 +5789,11 @@
                 <a:solidFill>
                   <a:srgbClr val="FFFFFF"/>
                 </a:solidFill>
+                <a:uFill>
+                  <a:solidFill>
+                    <a:srgbClr val="0000FF"/>
+                  </a:solidFill>
+                </a:uFill>
                 <a:hlinkClick r:id="rId4" invalidUrl="" action="" tgtFrame="" tooltip="" history="1" highlightClick="0" endSnd="0"/>
               </a:rPr>
               <a:t>https://github.com/shivamrulz</a:t>
@@ -5783,7 +5808,7 @@
         <p:nvPicPr>
           <p:cNvPr id="157" name="unknown.png" descr="unknown.png"/>
           <p:cNvPicPr>
-            <a:picLocks noChangeAspect="0"/>
+            <a:picLocks noChangeAspect="1"/>
           </p:cNvPicPr>
           <p:nvPr/>
         </p:nvPicPr>
@@ -5798,14 +5823,17 @@
         </p:blipFill>
         <p:spPr>
           <a:xfrm>
-            <a:off x="18332752" y="4556810"/>
-            <a:ext cx="4737101" cy="5778501"/>
+            <a:off x="18332752" y="4556809"/>
+            <a:ext cx="4737102" cy="5778503"/>
           </a:xfrm>
           <a:prstGeom prst="rect">
             <a:avLst/>
           </a:prstGeom>
+          <a:ln w="12700">
+            <a:miter lim="400000"/>
+          </a:ln>
           <a:effectLst>
-            <a:outerShdw sx="100000" sy="100000" kx="0" ky="0" algn="b" rotWithShape="0" blurRad="1219200" dist="800100" dir="0">
+            <a:outerShdw sx="100000" sy="100000" kx="0" ky="0" algn="b" rotWithShape="0" blurRad="1219200" dist="635000" dir="0">
               <a:srgbClr val="000000"/>
             </a:outerShdw>
           </a:effectLst>
@@ -5826,9 +5854,7 @@
     <p:bg>
       <p:bgPr>
         <a:solidFill>
-          <a:schemeClr val="accent1">
-            <a:lumOff val="-13575"/>
-          </a:schemeClr>
+          <a:srgbClr val="0076BA"/>
         </a:solidFill>
       </p:bgPr>
     </p:bg>
@@ -5856,8 +5882,8 @@
         </p:nvSpPr>
         <p:spPr>
           <a:xfrm>
-            <a:off x="1659733" y="1636929"/>
-            <a:ext cx="21064534" cy="2759298"/>
+            <a:off x="1659732" y="1636928"/>
+            <a:ext cx="21064536" cy="2759299"/>
           </a:xfrm>
           <a:prstGeom prst="rect">
             <a:avLst/>
@@ -5867,7 +5893,7 @@
           <a:bodyPr/>
           <a:lstStyle>
             <a:lvl1pPr defTabSz="2023821">
-              <a:defRPr spc="-192" sz="9628"/>
+              <a:defRPr spc="-200" sz="9600"/>
             </a:lvl1pPr>
           </a:lstStyle>
           <a:p>
@@ -5888,15 +5914,15 @@
         </p:nvSpPr>
         <p:spPr>
           <a:xfrm>
-            <a:off x="1206500" y="5537872"/>
-            <a:ext cx="22359797" cy="6541199"/>
+            <a:off x="1206499" y="5537871"/>
+            <a:ext cx="22359798" cy="6541201"/>
           </a:xfrm>
           <a:prstGeom prst="rect">
             <a:avLst/>
           </a:prstGeom>
         </p:spPr>
         <p:txBody>
-          <a:bodyPr/>
+          <a:bodyPr numCol="1" spcCol="38100"/>
           <a:lstStyle/>
           <a:p>
             <a:pPr marL="0" indent="0" defTabSz="775969">
@@ -5908,7 +5934,7 @@
               </a:spcBef>
               <a:buSzTx/>
               <a:buNone/>
-              <a:defRPr b="1" sz="5170">
+              <a:defRPr b="1" sz="5100">
                 <a:solidFill>
                   <a:schemeClr val="accent1"/>
                 </a:solidFill>
@@ -5961,7 +5987,7 @@
               </a:spcBef>
               <a:buSzTx/>
               <a:buNone/>
-              <a:defRPr b="1" sz="5170">
+              <a:defRPr b="1" sz="5100">
                 <a:solidFill>
                   <a:schemeClr val="accent1"/>
                 </a:solidFill>
@@ -6014,7 +6040,7 @@
               </a:spcBef>
               <a:buSzTx/>
               <a:buNone/>
-              <a:defRPr b="1" sz="5170">
+              <a:defRPr b="1" sz="5100">
                 <a:solidFill>
                   <a:schemeClr val="accent1"/>
                 </a:solidFill>
@@ -6045,7 +6071,7 @@
               </a:spcBef>
               <a:buSzTx/>
               <a:buNone/>
-              <a:defRPr b="1" sz="5170">
+              <a:defRPr b="1" sz="5100">
                 <a:solidFill>
                   <a:schemeClr val="accent1"/>
                 </a:solidFill>
@@ -6076,7 +6102,7 @@
               </a:spcBef>
               <a:buSzTx/>
               <a:buNone/>
-              <a:defRPr b="1" sz="5170">
+              <a:defRPr b="1" sz="5100">
                 <a:solidFill>
                   <a:schemeClr val="accent1"/>
                 </a:solidFill>
@@ -6114,9 +6140,7 @@
     <p:bg>
       <p:bgPr>
         <a:solidFill>
-          <a:schemeClr val="accent1">
-            <a:lumOff val="-13575"/>
-          </a:schemeClr>
+          <a:srgbClr val="0076BA"/>
         </a:solidFill>
       </p:bgPr>
     </p:bg>
@@ -6144,8 +6168,8 @@
         </p:nvSpPr>
         <p:spPr>
           <a:xfrm>
-            <a:off x="1206498" y="3946333"/>
-            <a:ext cx="21971004" cy="4648201"/>
+            <a:off x="1206497" y="3946333"/>
+            <a:ext cx="21971006" cy="4648202"/>
           </a:xfrm>
           <a:prstGeom prst="rect">
             <a:avLst/>
@@ -6156,7 +6180,7 @@
           <a:lstStyle/>
           <a:p>
             <a:pPr defTabSz="1463003">
-              <a:defRPr spc="-139" sz="6960">
+              <a:defRPr spc="-200" sz="6900">
                 <a:solidFill>
                   <a:schemeClr val="accent1"/>
                 </a:solidFill>
@@ -6187,10 +6211,11 @@
             <a:r>
               <a:t>. </a:t>
             </a:r>
+            <a:endParaRPr spc="-139"/>
           </a:p>
           <a:p>
             <a:pPr defTabSz="1463003">
-              <a:defRPr spc="-139" sz="6960">
+              <a:defRPr spc="-139" sz="6900">
                 <a:solidFill>
                   <a:schemeClr val="accent1"/>
                 </a:solidFill>
@@ -6199,7 +6224,7 @@
           </a:p>
           <a:p>
             <a:pPr defTabSz="1463003">
-              <a:defRPr spc="-139" sz="6960">
+              <a:defRPr spc="-200" sz="6900">
                 <a:solidFill>
                   <a:schemeClr val="accent1"/>
                 </a:solidFill>
@@ -6237,9 +6262,7 @@
     <p:bg>
       <p:bgPr>
         <a:solidFill>
-          <a:schemeClr val="accent1">
-            <a:lumOff val="-13575"/>
-          </a:schemeClr>
+          <a:srgbClr val="0076BA"/>
         </a:solidFill>
       </p:bgPr>
     </p:bg>
@@ -6267,8 +6290,8 @@
         </p:nvSpPr>
         <p:spPr>
           <a:xfrm>
-            <a:off x="1386032" y="2243640"/>
-            <a:ext cx="21971004" cy="2979962"/>
+            <a:off x="1386031" y="2243640"/>
+            <a:ext cx="21971006" cy="2979962"/>
           </a:xfrm>
           <a:prstGeom prst="rect">
             <a:avLst/>
@@ -6276,7 +6299,11 @@
         </p:spPr>
         <p:txBody>
           <a:bodyPr/>
-          <a:lstStyle/>
+          <a:lstStyle>
+            <a:lvl1pPr>
+              <a:defRPr spc="-300"/>
+            </a:lvl1pPr>
+          </a:lstStyle>
           <a:p>
             <a:pPr/>
             <a:r>
@@ -6295,15 +6322,15 @@
         </p:nvSpPr>
         <p:spPr>
           <a:xfrm>
-            <a:off x="1386034" y="5132663"/>
-            <a:ext cx="21971001" cy="6339697"/>
+            <a:off x="1386034" y="5132662"/>
+            <a:ext cx="21971002" cy="6339699"/>
           </a:xfrm>
           <a:prstGeom prst="rect">
             <a:avLst/>
           </a:prstGeom>
         </p:spPr>
         <p:txBody>
-          <a:bodyPr/>
+          <a:bodyPr numCol="1" spcCol="38100"/>
           <a:lstStyle/>
           <a:p>
             <a:pPr marL="0" indent="0" defTabSz="825500">
@@ -6459,9 +6486,7 @@
     <p:bg>
       <p:bgPr>
         <a:solidFill>
-          <a:schemeClr val="accent1">
-            <a:lumOff val="-13575"/>
-          </a:schemeClr>
+          <a:srgbClr val="0076BA"/>
         </a:solidFill>
       </p:bgPr>
     </p:bg>
@@ -6489,8 +6514,8 @@
         </p:nvSpPr>
         <p:spPr>
           <a:xfrm>
-            <a:off x="7483165" y="4533900"/>
-            <a:ext cx="9417671" cy="4648200"/>
+            <a:off x="7483164" y="4533900"/>
+            <a:ext cx="9417672" cy="4648200"/>
           </a:xfrm>
           <a:prstGeom prst="rect">
             <a:avLst/>
@@ -6498,7 +6523,11 @@
         </p:spPr>
         <p:txBody>
           <a:bodyPr/>
-          <a:lstStyle/>
+          <a:lstStyle>
+            <a:lvl1pPr>
+              <a:defRPr spc="-300"/>
+            </a:lvl1pPr>
+          </a:lstStyle>
           <a:p>
             <a:pPr/>
             <a:r>
@@ -6522,9 +6551,7 @@
     <p:bg>
       <p:bgPr>
         <a:solidFill>
-          <a:schemeClr val="accent1">
-            <a:lumOff val="-13575"/>
-          </a:schemeClr>
+          <a:srgbClr val="0076BA"/>
         </a:solidFill>
       </p:bgPr>
     </p:bg>
@@ -6552,15 +6579,15 @@
         </p:nvSpPr>
         <p:spPr>
           <a:xfrm>
-            <a:off x="13522125" y="3467351"/>
-            <a:ext cx="5435149" cy="7418902"/>
+            <a:off x="13522124" y="3467351"/>
+            <a:ext cx="5435151" cy="7418903"/>
           </a:xfrm>
           <a:prstGeom prst="rect">
             <a:avLst/>
           </a:prstGeom>
         </p:spPr>
         <p:txBody>
-          <a:bodyPr/>
+          <a:bodyPr numCol="1" spcCol="38100"/>
           <a:lstStyle/>
           <a:p>
             <a:pPr marL="0" indent="0" defTabSz="825500">
@@ -6613,8 +6640,8 @@
         </p:blipFill>
         <p:spPr>
           <a:xfrm>
-            <a:off x="2481985" y="2057400"/>
-            <a:ext cx="8839201" cy="9601200"/>
+            <a:off x="2481984" y="2057400"/>
+            <a:ext cx="8839202" cy="9601200"/>
           </a:xfrm>
           <a:prstGeom prst="rect">
             <a:avLst/>
@@ -6639,9 +6666,7 @@
     <p:bg>
       <p:bgPr>
         <a:solidFill>
-          <a:schemeClr val="accent1">
-            <a:lumOff val="-13575"/>
-          </a:schemeClr>
+          <a:srgbClr val="0076BA"/>
         </a:solidFill>
       </p:bgPr>
     </p:bg>
@@ -6669,8 +6694,8 @@
         </p:nvSpPr>
         <p:spPr>
           <a:xfrm>
-            <a:off x="8030083" y="4533900"/>
-            <a:ext cx="8323834" cy="4648200"/>
+            <a:off x="8030082" y="4533900"/>
+            <a:ext cx="8323835" cy="4648200"/>
           </a:xfrm>
           <a:prstGeom prst="rect">
             <a:avLst/>
@@ -6679,8 +6704,8 @@
         <p:txBody>
           <a:bodyPr/>
           <a:lstStyle>
-            <a:lvl1pPr defTabSz="2413955">
-              <a:defRPr spc="-229" sz="11484"/>
+            <a:lvl1pPr defTabSz="2413954">
+              <a:defRPr spc="-300" sz="11400"/>
             </a:lvl1pPr>
           </a:lstStyle>
           <a:p>
@@ -6706,9 +6731,7 @@
     <p:bg>
       <p:bgPr>
         <a:solidFill>
-          <a:schemeClr val="accent1">
-            <a:lumOff val="-13575"/>
-          </a:schemeClr>
+          <a:srgbClr val="0076BA"/>
         </a:solidFill>
       </p:bgPr>
     </p:bg>
@@ -6745,7 +6768,7 @@
         <p:spPr>
           <a:xfrm>
             <a:off x="2771182" y="50081"/>
-            <a:ext cx="18841636" cy="13615838"/>
+            <a:ext cx="18841636" cy="13615839"/>
           </a:xfrm>
           <a:prstGeom prst="rect">
             <a:avLst/>
@@ -6772,13 +6795,13 @@
         <a:srgbClr val="5E5E5E"/>
       </a:dk1>
       <a:lt1>
-        <a:srgbClr val="003462"/>
+        <a:srgbClr val="FFFFFF"/>
       </a:lt1>
       <a:dk2>
-        <a:srgbClr val="5E5E5E"/>
+        <a:srgbClr val="A7A7A7"/>
       </a:dk2>
       <a:lt2>
-        <a:srgbClr val="D5D5D5"/>
+        <a:srgbClr val="535353"/>
       </a:lt2>
       <a:accent1>
         <a:srgbClr val="00A2FF"/>
@@ -6812,9 +6835,9 @@
         <a:cs typeface="Helvetica Neue"/>
       </a:majorFont>
       <a:minorFont>
-        <a:latin typeface="Helvetica Neue"/>
-        <a:ea typeface="Helvetica Neue"/>
-        <a:cs typeface="Helvetica Neue"/>
+        <a:latin typeface="Helvetica"/>
+        <a:ea typeface="Helvetica"/>
+        <a:cs typeface="Helvetica"/>
       </a:minorFont>
     </a:fontScheme>
     <a:fmtScheme name="30_BasicColor">
@@ -6955,11 +6978,14 @@
     <a:spDef>
       <a:spPr>
         <a:solidFill>
-          <a:srgbClr val="000000"/>
+          <a:srgbClr val="003462"/>
         </a:solidFill>
-        <a:ln w="12700" cap="flat">
-          <a:noFill/>
-          <a:miter lim="400000"/>
+        <a:ln w="25400" cap="flat">
+          <a:solidFill>
+            <a:schemeClr val="accent1"/>
+          </a:solidFill>
+          <a:prstDash val="solid"/>
+          <a:round/>
         </a:ln>
         <a:effectLst/>
         <a:sp3d/>
@@ -6968,7 +6994,7 @@
         <a:spAutoFit/>
       </a:bodyPr>
       <a:lstStyle>
-        <a:defPPr marL="0" marR="0" indent="0" algn="ctr" defTabSz="825500" rtl="0" fontAlgn="auto" latinLnBrk="0" hangingPunct="0">
+        <a:defPPr marL="0" marR="0" indent="0" algn="ctr" defTabSz="2438337" rtl="0" fontAlgn="auto" latinLnBrk="0" hangingPunct="0">
           <a:lnSpc>
             <a:spcPct val="100000"/>
           </a:lnSpc>
@@ -6983,19 +7009,19 @@
           <a:buFontTx/>
           <a:buNone/>
           <a:tabLst/>
-          <a:defRPr b="0" baseline="0" cap="none" i="0" spc="0" strike="noStrike" sz="3200" u="none" kumimoji="0" normalizeH="0">
+          <a:defRPr b="0" baseline="0" cap="none" i="0" spc="0" strike="noStrike" sz="2400" u="none" kumimoji="0" normalizeH="0">
             <a:ln>
               <a:noFill/>
             </a:ln>
             <a:solidFill>
-              <a:srgbClr val="FFFFFF"/>
+              <a:srgbClr val="5E5E5E"/>
             </a:solidFill>
             <a:effectLst/>
             <a:uFillTx/>
-            <a:latin typeface="Helvetica Neue Medium"/>
-            <a:ea typeface="Helvetica Neue Medium"/>
-            <a:cs typeface="Helvetica Neue Medium"/>
-            <a:sym typeface="Helvetica Neue Medium"/>
+            <a:latin typeface="+mj-lt"/>
+            <a:ea typeface="+mj-ea"/>
+            <a:cs typeface="+mj-cs"/>
+            <a:sym typeface="Helvetica Neue"/>
           </a:defRPr>
         </a:defPPr>
         <a:lvl1pPr marL="0" marR="0" indent="0" algn="l" defTabSz="914400" rtl="0" fontAlgn="auto" latinLnBrk="1" hangingPunct="0">
@@ -7245,10 +7271,10 @@
         <a:noFill/>
         <a:ln w="25400" cap="flat">
           <a:solidFill>
-            <a:srgbClr val="000000"/>
+            <a:schemeClr val="accent1"/>
           </a:solidFill>
           <a:prstDash val="solid"/>
-          <a:miter lim="400000"/>
+          <a:round/>
         </a:ln>
         <a:effectLst/>
         <a:sp3d/>
@@ -7539,7 +7565,7 @@
         <a:spAutoFit/>
       </a:bodyPr>
       <a:lstStyle>
-        <a:defPPr marL="0" marR="0" indent="0" algn="ctr" defTabSz="2438338" rtl="0" fontAlgn="auto" latinLnBrk="0" hangingPunct="0">
+        <a:defPPr marL="0" marR="0" indent="0" algn="ctr" defTabSz="2438337" rtl="0" fontAlgn="auto" latinLnBrk="0" hangingPunct="0">
           <a:lnSpc>
             <a:spcPct val="100000"/>
           </a:lnSpc>
@@ -7563,9 +7589,9 @@
             </a:solidFill>
             <a:effectLst/>
             <a:uFillTx/>
-            <a:latin typeface="+mn-lt"/>
-            <a:ea typeface="+mn-ea"/>
-            <a:cs typeface="+mn-cs"/>
+            <a:latin typeface="+mj-lt"/>
+            <a:ea typeface="+mj-ea"/>
+            <a:cs typeface="+mj-cs"/>
             <a:sym typeface="Helvetica Neue"/>
           </a:defRPr>
         </a:defPPr>
@@ -7826,10 +7852,10 @@
         <a:srgbClr val="FFFFFF"/>
       </a:lt1>
       <a:dk2>
-        <a:srgbClr val="5E5E5E"/>
+        <a:srgbClr val="A7A7A7"/>
       </a:dk2>
       <a:lt2>
-        <a:srgbClr val="D5D5D5"/>
+        <a:srgbClr val="535353"/>
       </a:lt2>
       <a:accent1>
         <a:srgbClr val="00A2FF"/>
@@ -7863,9 +7889,9 @@
         <a:cs typeface="Helvetica Neue"/>
       </a:majorFont>
       <a:minorFont>
-        <a:latin typeface="Helvetica Neue"/>
-        <a:ea typeface="Helvetica Neue"/>
-        <a:cs typeface="Helvetica Neue"/>
+        <a:latin typeface="Helvetica"/>
+        <a:ea typeface="Helvetica"/>
+        <a:cs typeface="Helvetica"/>
       </a:minorFont>
     </a:fontScheme>
     <a:fmtScheme name="30_BasicColor">
@@ -8006,11 +8032,14 @@
     <a:spDef>
       <a:spPr>
         <a:solidFill>
-          <a:srgbClr val="000000"/>
+          <a:srgbClr val="003462"/>
         </a:solidFill>
-        <a:ln w="12700" cap="flat">
-          <a:noFill/>
-          <a:miter lim="400000"/>
+        <a:ln w="25400" cap="flat">
+          <a:solidFill>
+            <a:schemeClr val="accent1"/>
+          </a:solidFill>
+          <a:prstDash val="solid"/>
+          <a:round/>
         </a:ln>
         <a:effectLst/>
         <a:sp3d/>
@@ -8019,7 +8048,7 @@
         <a:spAutoFit/>
       </a:bodyPr>
       <a:lstStyle>
-        <a:defPPr marL="0" marR="0" indent="0" algn="ctr" defTabSz="825500" rtl="0" fontAlgn="auto" latinLnBrk="0" hangingPunct="0">
+        <a:defPPr marL="0" marR="0" indent="0" algn="ctr" defTabSz="2438337" rtl="0" fontAlgn="auto" latinLnBrk="0" hangingPunct="0">
           <a:lnSpc>
             <a:spcPct val="100000"/>
           </a:lnSpc>
@@ -8034,19 +8063,19 @@
           <a:buFontTx/>
           <a:buNone/>
           <a:tabLst/>
-          <a:defRPr b="0" baseline="0" cap="none" i="0" spc="0" strike="noStrike" sz="3200" u="none" kumimoji="0" normalizeH="0">
+          <a:defRPr b="0" baseline="0" cap="none" i="0" spc="0" strike="noStrike" sz="2400" u="none" kumimoji="0" normalizeH="0">
             <a:ln>
               <a:noFill/>
             </a:ln>
             <a:solidFill>
-              <a:srgbClr val="FFFFFF"/>
+              <a:srgbClr val="5E5E5E"/>
             </a:solidFill>
             <a:effectLst/>
             <a:uFillTx/>
-            <a:latin typeface="Helvetica Neue Medium"/>
-            <a:ea typeface="Helvetica Neue Medium"/>
-            <a:cs typeface="Helvetica Neue Medium"/>
-            <a:sym typeface="Helvetica Neue Medium"/>
+            <a:latin typeface="+mj-lt"/>
+            <a:ea typeface="+mj-ea"/>
+            <a:cs typeface="+mj-cs"/>
+            <a:sym typeface="Helvetica Neue"/>
           </a:defRPr>
         </a:defPPr>
         <a:lvl1pPr marL="0" marR="0" indent="0" algn="l" defTabSz="914400" rtl="0" fontAlgn="auto" latinLnBrk="1" hangingPunct="0">
@@ -8296,10 +8325,10 @@
         <a:noFill/>
         <a:ln w="25400" cap="flat">
           <a:solidFill>
-            <a:srgbClr val="000000"/>
+            <a:schemeClr val="accent1"/>
           </a:solidFill>
           <a:prstDash val="solid"/>
-          <a:miter lim="400000"/>
+          <a:round/>
         </a:ln>
         <a:effectLst/>
         <a:sp3d/>
@@ -8590,7 +8619,7 @@
         <a:spAutoFit/>
       </a:bodyPr>
       <a:lstStyle>
-        <a:defPPr marL="0" marR="0" indent="0" algn="ctr" defTabSz="2438338" rtl="0" fontAlgn="auto" latinLnBrk="0" hangingPunct="0">
+        <a:defPPr marL="0" marR="0" indent="0" algn="ctr" defTabSz="2438337" rtl="0" fontAlgn="auto" latinLnBrk="0" hangingPunct="0">
           <a:lnSpc>
             <a:spcPct val="100000"/>
           </a:lnSpc>
@@ -8614,9 +8643,9 @@
             </a:solidFill>
             <a:effectLst/>
             <a:uFillTx/>
-            <a:latin typeface="+mn-lt"/>
-            <a:ea typeface="+mn-ea"/>
-            <a:cs typeface="+mn-cs"/>
+            <a:latin typeface="+mj-lt"/>
+            <a:ea typeface="+mj-ea"/>
+            <a:cs typeface="+mj-cs"/>
             <a:sym typeface="Helvetica Neue"/>
           </a:defRPr>
         </a:defPPr>

--- a/Files/6. Better Credit Bureau - Shivam.pptx
+++ b/Files/6. Better Credit Bureau - Shivam.pptx
@@ -4121,7 +4121,7 @@
           <a:p>
             <a:pPr/>
             <a:r>
-              <a:t>Better Credit Bureau</a:t>
+              <a:t>Better Credit Bureau - BCB</a:t>
             </a:r>
           </a:p>
         </p:txBody>
@@ -4186,6 +4186,15 @@
             </a:r>
             <a:r>
               <a:t> capstone project presentation</a:t>
+            </a:r>
+            <a:br/>
+            <a:r>
+              <a:rPr b="0" i="1" sz="5400">
+                <a:solidFill>
+                  <a:srgbClr val="FFFFFF"/>
+                </a:solidFill>
+              </a:rPr>
+              <a:t>(a hyper ledger fabric approach to credit monitoring)</a:t>
             </a:r>
           </a:p>
         </p:txBody>
@@ -4482,7 +4491,37 @@
               </a:defRPr>
             </a:pPr>
             <a:r>
-              <a:t>- Credit history gets internationally synchronised</a:t>
+              <a:t>- Credit </a:t>
+            </a:r>
+            <a:r>
+              <a:rPr>
+                <a:solidFill>
+                  <a:srgbClr val="FFFFFF"/>
+                </a:solidFill>
+              </a:rPr>
+              <a:t>history</a:t>
+            </a:r>
+            <a:r>
+              <a:t> gets </a:t>
+            </a:r>
+            <a:r>
+              <a:rPr>
+                <a:solidFill>
+                  <a:srgbClr val="FFFFFF"/>
+                </a:solidFill>
+              </a:rPr>
+              <a:t>internationally</a:t>
+            </a:r>
+            <a:r>
+              <a:t> </a:t>
+            </a:r>
+            <a:r>
+              <a:rPr>
+                <a:solidFill>
+                  <a:srgbClr val="FFFFFF"/>
+                </a:solidFill>
+              </a:rPr>
+              <a:t>synchronised</a:t>
             </a:r>
           </a:p>
           <a:p>
@@ -4502,7 +4541,18 @@
               </a:defRPr>
             </a:pPr>
             <a:r>
-              <a:t>- Prevents frauds </a:t>
+              <a:t>- </a:t>
+            </a:r>
+            <a:r>
+              <a:rPr>
+                <a:solidFill>
+                  <a:srgbClr val="FFFFFF"/>
+                </a:solidFill>
+              </a:rPr>
+              <a:t>Prevents frauds</a:t>
+            </a:r>
+            <a:r>
+              <a:t> </a:t>
             </a:r>
           </a:p>
           <a:p>
@@ -4522,7 +4572,18 @@
               </a:defRPr>
             </a:pPr>
             <a:r>
-              <a:t>- Global standardisation accelerates credit adoption in emerging markets</a:t>
+              <a:t>- Global standardisation </a:t>
+            </a:r>
+            <a:r>
+              <a:rPr>
+                <a:solidFill>
+                  <a:srgbClr val="FFFFFF"/>
+                </a:solidFill>
+              </a:rPr>
+              <a:t>accelerates credit adoption</a:t>
+            </a:r>
+            <a:r>
+              <a:t> in emerging markets</a:t>
             </a:r>
           </a:p>
         </p:txBody>
@@ -4673,7 +4734,7 @@
               <a:t>25,000,000</a:t>
             </a:r>
             <a:r>
-              <a:t> million Canadians over 17 imply a </a:t>
+              <a:t> Canadians over 17 imply a </a:t>
             </a:r>
             <a:r>
               <a:rPr>
@@ -4706,7 +4767,7 @@
               </a:defRPr>
             </a:pPr>
             <a:r>
-              <a:t>- The Hyperledger fabric technology’s flexibility allows for </a:t>
+              <a:t>- The Hyperledger fabric technology’s </a:t>
             </a:r>
             <a:r>
               <a:rPr>
@@ -4714,7 +4775,39 @@
                   <a:srgbClr val="FFFFFF"/>
                 </a:solidFill>
               </a:rPr>
-              <a:t>global scalability</a:t>
+              <a:t>flexibility</a:t>
+            </a:r>
+            <a:r>
+              <a:t> allows for </a:t>
+            </a:r>
+            <a:r>
+              <a:rPr>
+                <a:solidFill>
+                  <a:srgbClr val="FFFFFF"/>
+                </a:solidFill>
+              </a:rPr>
+              <a:t>global scalability, </a:t>
+            </a:r>
+            <a:r>
+              <a:t>open to earn</a:t>
+            </a:r>
+            <a:r>
+              <a:rPr>
+                <a:solidFill>
+                  <a:schemeClr val="accent1">
+                    <a:lumOff val="-9999"/>
+                  </a:schemeClr>
+                </a:solidFill>
+              </a:rPr>
+              <a:t> </a:t>
+            </a:r>
+            <a:r>
+              <a:rPr>
+                <a:solidFill>
+                  <a:srgbClr val="FFFFFF"/>
+                </a:solidFill>
+              </a:rPr>
+              <a:t>trillions of $</a:t>
             </a:r>
             <a:r>
               <a:t>.</a:t>

--- a/Files/6. Better Credit Bureau - Shivam.pptx
+++ b/Files/6. Better Credit Bureau - Shivam.pptx
@@ -24,9 +24,6 @@
     <p:sldId id="269" r:id="rId21"/>
     <p:sldId id="270" r:id="rId22"/>
     <p:sldId id="271" r:id="rId23"/>
-    <p:sldId id="272" r:id="rId24"/>
-    <p:sldId id="273" r:id="rId25"/>
-    <p:sldId id="274" r:id="rId26"/>
   </p:sldIdLst>
   <p:sldSz cx="24384000" cy="13716000"/>
   <p:notesSz cx="6858000" cy="9144000"/>
@@ -2090,8 +2087,8 @@
         </p:nvSpPr>
         <p:spPr>
           <a:xfrm>
-            <a:off x="12001500" y="13085233"/>
-            <a:ext cx="368504" cy="374600"/>
+            <a:off x="12001499" y="13085233"/>
+            <a:ext cx="368505" cy="374600"/>
           </a:xfrm>
           <a:prstGeom prst="rect">
             <a:avLst/>
@@ -2269,10 +2266,6 @@
           </p:nvPr>
         </p:nvSpPr>
         <p:spPr>
-          <a:xfrm>
-            <a:off x="1206500" y="4248503"/>
-            <a:ext cx="21971000" cy="8256014"/>
-          </a:xfrm>
           <a:prstGeom prst="rect">
             <a:avLst/>
           </a:prstGeom>
@@ -2720,8 +2713,8 @@
         </p:nvSpPr>
         <p:spPr>
           <a:xfrm>
-            <a:off x="12001500" y="13085233"/>
-            <a:ext cx="368504" cy="374600"/>
+            <a:off x="12001499" y="13085233"/>
+            <a:ext cx="368505" cy="374600"/>
           </a:xfrm>
           <a:prstGeom prst="rect">
             <a:avLst/>
@@ -3083,10 +3076,6 @@
           </p:nvPr>
         </p:nvSpPr>
         <p:spPr>
-          <a:xfrm>
-            <a:off x="1206500" y="4248503"/>
-            <a:ext cx="21971000" cy="8256014"/>
-          </a:xfrm>
           <a:prstGeom prst="rect">
             <a:avLst/>
           </a:prstGeom>
@@ -3279,8 +3268,8 @@
         </p:nvSpPr>
         <p:spPr>
           <a:xfrm>
-            <a:off x="12001500" y="13080999"/>
-            <a:ext cx="368504" cy="374600"/>
+            <a:off x="12001499" y="13080999"/>
+            <a:ext cx="368505" cy="374600"/>
           </a:xfrm>
           <a:prstGeom prst="rect">
             <a:avLst/>
@@ -4104,8 +4093,8 @@
         </p:nvSpPr>
         <p:spPr>
           <a:xfrm>
-            <a:off x="1206495" y="2574990"/>
-            <a:ext cx="21971006" cy="4648203"/>
+            <a:off x="1206495" y="2574991"/>
+            <a:ext cx="21971006" cy="4648202"/>
           </a:xfrm>
           <a:prstGeom prst="rect">
             <a:avLst/>
@@ -4742,7 +4731,7 @@
                   <a:srgbClr val="FFFFFF"/>
                 </a:solidFill>
               </a:rPr>
-              <a:t>$5 billion revenue. </a:t>
+              <a:t>$5 billion yearly revenue. </a:t>
             </a:r>
             <a:endParaRPr>
               <a:solidFill>
@@ -4767,7 +4756,18 @@
               </a:defRPr>
             </a:pPr>
             <a:r>
-              <a:t>- The Hyperledger fabric technology’s </a:t>
+              <a:t>- </a:t>
+            </a:r>
+            <a:r>
+              <a:rPr>
+                <a:solidFill>
+                  <a:srgbClr val="FFFFFF"/>
+                </a:solidFill>
+              </a:rPr>
+              <a:t>Long-term:</a:t>
+            </a:r>
+            <a:r>
+              <a:t> The Hyperledger fabric technology’s </a:t>
             </a:r>
             <a:r>
               <a:rPr>
@@ -4830,7 +4830,18 @@
               </a:defRPr>
             </a:pPr>
             <a:r>
-              <a:t>- The technology can be </a:t>
+              <a:t>- </a:t>
+            </a:r>
+            <a:r>
+              <a:rPr>
+                <a:solidFill>
+                  <a:srgbClr val="FFFFFF"/>
+                </a:solidFill>
+              </a:rPr>
+              <a:t>Short-term:</a:t>
+            </a:r>
+            <a:r>
+              <a:t> The technology can be </a:t>
             </a:r>
             <a:r>
               <a:rPr>
@@ -4901,7 +4912,7 @@
         <p:spPr>
           <a:xfrm>
             <a:off x="8847725" y="5857964"/>
-            <a:ext cx="6688549" cy="2000072"/>
+            <a:ext cx="6688550" cy="2000072"/>
           </a:xfrm>
           <a:prstGeom prst="rect">
             <a:avLst/>
@@ -5035,8 +5046,8 @@
         </p:blipFill>
         <p:spPr>
           <a:xfrm>
-            <a:off x="2042999" y="319489"/>
-            <a:ext cx="20298001" cy="13077022"/>
+            <a:off x="1666294" y="169204"/>
+            <a:ext cx="21051411" cy="13377591"/>
           </a:xfrm>
           <a:prstGeom prst="rect">
             <a:avLst/>
@@ -5097,68 +5108,6 @@
         </p:blipFill>
         <p:spPr>
           <a:xfrm>
-            <a:off x="1666294" y="169204"/>
-            <a:ext cx="21051411" cy="13377591"/>
-          </a:xfrm>
-          <a:prstGeom prst="rect">
-            <a:avLst/>
-          </a:prstGeom>
-          <a:ln w="12700">
-            <a:miter lim="400000"/>
-          </a:ln>
-        </p:spPr>
-      </p:pic>
-    </p:spTree>
-  </p:cSld>
-  <p:clrMapOvr>
-    <a:masterClrMapping/>
-  </p:clrMapOvr>
-  <p:transition xmlns:p14="http://schemas.microsoft.com/office/powerpoint/2010/main" spd="med" advClick="1"/>
-</p:sld>
-</file>
-
-<file path=ppt/slides/slide17.xml><?xml version="1.0" encoding="utf-8"?>
-<p:sld xmlns:a="http://schemas.openxmlformats.org/drawingml/2006/main" xmlns:r="http://schemas.openxmlformats.org/officeDocument/2006/relationships" xmlns:p="http://schemas.openxmlformats.org/presentationml/2006/main" xmlns:m="http://schemas.openxmlformats.org/officeDocument/2006/math" xmlns:a14="http://schemas.microsoft.com/office/drawing/2010/main" showMasterSp="1" showMasterPhAnim="1">
-  <p:cSld>
-    <p:bg>
-      <p:bgPr>
-        <a:solidFill>
-          <a:srgbClr val="0076BA"/>
-        </a:solidFill>
-      </p:bgPr>
-    </p:bg>
-    <p:spTree>
-      <p:nvGrpSpPr>
-        <p:cNvPr id="1" name=""/>
-        <p:cNvGrpSpPr/>
-        <p:nvPr/>
-      </p:nvGrpSpPr>
-      <p:grpSpPr>
-        <a:xfrm>
-          <a:off x="0" y="0"/>
-          <a:ext cx="0" cy="0"/>
-          <a:chOff x="0" y="0"/>
-          <a:chExt cx="0" cy="0"/>
-        </a:xfrm>
-      </p:grpSpPr>
-      <p:pic>
-        <p:nvPicPr>
-          <p:cNvPr id="193" name="Image" descr="Image"/>
-          <p:cNvPicPr>
-            <a:picLocks noChangeAspect="1"/>
-          </p:cNvPicPr>
-          <p:nvPr/>
-        </p:nvPicPr>
-        <p:blipFill>
-          <a:blip r:embed="rId2">
-            <a:extLst/>
-          </a:blip>
-          <a:stretch>
-            <a:fillRect/>
-          </a:stretch>
-        </p:blipFill>
-        <p:spPr>
-          <a:xfrm>
             <a:off x="2675097" y="121676"/>
             <a:ext cx="19383933" cy="13472648"/>
           </a:xfrm>
@@ -5170,463 +5119,6 @@
           </a:ln>
         </p:spPr>
       </p:pic>
-    </p:spTree>
-  </p:cSld>
-  <p:clrMapOvr>
-    <a:masterClrMapping/>
-  </p:clrMapOvr>
-  <p:transition xmlns:p14="http://schemas.microsoft.com/office/powerpoint/2010/main" spd="med" advClick="1"/>
-</p:sld>
-</file>
-
-<file path=ppt/slides/slide18.xml><?xml version="1.0" encoding="utf-8"?>
-<p:sld xmlns:a="http://schemas.openxmlformats.org/drawingml/2006/main" xmlns:r="http://schemas.openxmlformats.org/officeDocument/2006/relationships" xmlns:p="http://schemas.openxmlformats.org/presentationml/2006/main" xmlns:m="http://schemas.openxmlformats.org/officeDocument/2006/math" xmlns:a14="http://schemas.microsoft.com/office/drawing/2010/main" showMasterSp="1" showMasterPhAnim="1">
-  <p:cSld>
-    <p:bg>
-      <p:bgPr>
-        <a:solidFill>
-          <a:srgbClr val="0076BA"/>
-        </a:solidFill>
-      </p:bgPr>
-    </p:bg>
-    <p:spTree>
-      <p:nvGrpSpPr>
-        <p:cNvPr id="1" name=""/>
-        <p:cNvGrpSpPr/>
-        <p:nvPr/>
-      </p:nvGrpSpPr>
-      <p:grpSpPr>
-        <a:xfrm>
-          <a:off x="0" y="0"/>
-          <a:ext cx="0" cy="0"/>
-          <a:chOff x="0" y="0"/>
-          <a:chExt cx="0" cy="0"/>
-        </a:xfrm>
-      </p:grpSpPr>
-      <p:sp>
-        <p:nvSpPr>
-          <p:cNvPr id="195" name="Timeline"/>
-          <p:cNvSpPr txBox="1"/>
-          <p:nvPr>
-            <p:ph type="title"/>
-          </p:nvPr>
-        </p:nvSpPr>
-        <p:spPr>
-          <a:xfrm>
-            <a:off x="1431397" y="5587936"/>
-            <a:ext cx="8555127" cy="2540126"/>
-          </a:xfrm>
-          <a:prstGeom prst="rect">
-            <a:avLst/>
-          </a:prstGeom>
-        </p:spPr>
-        <p:txBody>
-          <a:bodyPr/>
-          <a:lstStyle>
-            <a:lvl1pPr>
-              <a:defRPr spc="-300"/>
-            </a:lvl1pPr>
-          </a:lstStyle>
-          <a:p>
-            <a:pPr/>
-            <a:r>
-              <a:t>Timeline</a:t>
-            </a:r>
-          </a:p>
-        </p:txBody>
-      </p:sp>
-      <p:pic>
-        <p:nvPicPr>
-          <p:cNvPr id="196" name="Untitled.png" descr="Untitled.png"/>
-          <p:cNvPicPr>
-            <a:picLocks noChangeAspect="1"/>
-          </p:cNvPicPr>
-          <p:nvPr/>
-        </p:nvPicPr>
-        <p:blipFill>
-          <a:blip r:embed="rId2">
-            <a:extLst/>
-          </a:blip>
-          <a:stretch>
-            <a:fillRect/>
-          </a:stretch>
-        </p:blipFill>
-        <p:spPr>
-          <a:xfrm>
-            <a:off x="9328150" y="1263650"/>
-            <a:ext cx="5727700" cy="11188700"/>
-          </a:xfrm>
-          <a:prstGeom prst="rect">
-            <a:avLst/>
-          </a:prstGeom>
-          <a:ln w="12700">
-            <a:miter lim="400000"/>
-          </a:ln>
-        </p:spPr>
-      </p:pic>
-    </p:spTree>
-  </p:cSld>
-  <p:clrMapOvr>
-    <a:masterClrMapping/>
-  </p:clrMapOvr>
-  <p:transition xmlns:p14="http://schemas.microsoft.com/office/powerpoint/2010/main" spd="med" advClick="1"/>
-</p:sld>
-</file>
-
-<file path=ppt/slides/slide19.xml><?xml version="1.0" encoding="utf-8"?>
-<p:sld xmlns:a="http://schemas.openxmlformats.org/drawingml/2006/main" xmlns:r="http://schemas.openxmlformats.org/officeDocument/2006/relationships" xmlns:p="http://schemas.openxmlformats.org/presentationml/2006/main" xmlns:m="http://schemas.openxmlformats.org/officeDocument/2006/math" xmlns:a14="http://schemas.microsoft.com/office/drawing/2010/main" showMasterSp="1" showMasterPhAnim="1">
-  <p:cSld>
-    <p:bg>
-      <p:bgPr>
-        <a:solidFill>
-          <a:srgbClr val="0076BA"/>
-        </a:solidFill>
-      </p:bgPr>
-    </p:bg>
-    <p:spTree>
-      <p:nvGrpSpPr>
-        <p:cNvPr id="1" name=""/>
-        <p:cNvGrpSpPr/>
-        <p:nvPr/>
-      </p:nvGrpSpPr>
-      <p:grpSpPr>
-        <a:xfrm>
-          <a:off x="0" y="0"/>
-          <a:ext cx="0" cy="0"/>
-          <a:chOff x="0" y="0"/>
-          <a:chExt cx="0" cy="0"/>
-        </a:xfrm>
-      </p:grpSpPr>
-      <p:sp>
-        <p:nvSpPr>
-          <p:cNvPr id="198" name="Let bring the world closer by going F.A.R"/>
-          <p:cNvSpPr txBox="1"/>
-          <p:nvPr>
-            <p:ph type="title"/>
-          </p:nvPr>
-        </p:nvSpPr>
-        <p:spPr>
-          <a:xfrm>
-            <a:off x="1206497" y="500151"/>
-            <a:ext cx="21971006" cy="1905002"/>
-          </a:xfrm>
-          <a:prstGeom prst="rect">
-            <a:avLst/>
-          </a:prstGeom>
-        </p:spPr>
-        <p:txBody>
-          <a:bodyPr/>
-          <a:lstStyle/>
-          <a:p>
-            <a:pPr defTabSz="1999437">
-              <a:defRPr spc="-200" sz="9500">
-                <a:solidFill>
-                  <a:schemeClr val="accent1"/>
-                </a:solidFill>
-              </a:defRPr>
-            </a:pPr>
-            <a:r>
-              <a:t>Let bring the world </a:t>
-            </a:r>
-            <a:r>
-              <a:rPr>
-                <a:solidFill>
-                  <a:srgbClr val="FFFFFF"/>
-                </a:solidFill>
-              </a:rPr>
-              <a:t>closer</a:t>
-            </a:r>
-            <a:r>
-              <a:t> by going </a:t>
-            </a:r>
-            <a:r>
-              <a:rPr>
-                <a:solidFill>
-                  <a:srgbClr val="FFFFFF"/>
-                </a:solidFill>
-              </a:rPr>
-              <a:t>F.A.R</a:t>
-            </a:r>
-          </a:p>
-        </p:txBody>
-      </p:sp>
-      <p:sp>
-        <p:nvSpPr>
-          <p:cNvPr id="199" name="- Fund: $2 million for a 10% equity to aid development.…"/>
-          <p:cNvSpPr txBox="1"/>
-          <p:nvPr>
-            <p:ph type="body" idx="4294967295"/>
-          </p:nvPr>
-        </p:nvSpPr>
-        <p:spPr>
-          <a:xfrm>
-            <a:off x="1206500" y="3555241"/>
-            <a:ext cx="21971000" cy="6912848"/>
-          </a:xfrm>
-          <a:prstGeom prst="rect">
-            <a:avLst/>
-          </a:prstGeom>
-        </p:spPr>
-        <p:txBody>
-          <a:bodyPr numCol="1" spcCol="38100"/>
-          <a:lstStyle/>
-          <a:p>
-            <a:pPr marL="0" indent="0" defTabSz="825500">
-              <a:lnSpc>
-                <a:spcPct val="100000"/>
-              </a:lnSpc>
-              <a:spcBef>
-                <a:spcPts val="0"/>
-              </a:spcBef>
-              <a:buSzTx/>
-              <a:buNone/>
-              <a:defRPr b="1" sz="5500">
-                <a:solidFill>
-                  <a:schemeClr val="accent1"/>
-                </a:solidFill>
-              </a:defRPr>
-            </a:pPr>
-            <a:r>
-              <a:t>- </a:t>
-            </a:r>
-            <a:r>
-              <a:rPr>
-                <a:solidFill>
-                  <a:srgbClr val="FFFFFF"/>
-                </a:solidFill>
-              </a:rPr>
-              <a:t>Fund</a:t>
-            </a:r>
-            <a:r>
-              <a:t>: </a:t>
-            </a:r>
-            <a:r>
-              <a:rPr>
-                <a:solidFill>
-                  <a:srgbClr val="FFFFFF"/>
-                </a:solidFill>
-              </a:rPr>
-              <a:t>$2 million</a:t>
-            </a:r>
-            <a:r>
-              <a:t> for a </a:t>
-            </a:r>
-            <a:r>
-              <a:rPr>
-                <a:solidFill>
-                  <a:srgbClr val="FFFFFF"/>
-                </a:solidFill>
-              </a:rPr>
-              <a:t>10%</a:t>
-            </a:r>
-            <a:r>
-              <a:t> equity to aid </a:t>
-            </a:r>
-            <a:r>
-              <a:rPr>
-                <a:solidFill>
-                  <a:srgbClr val="FFFFFF"/>
-                </a:solidFill>
-              </a:rPr>
-              <a:t>development</a:t>
-            </a:r>
-            <a:r>
-              <a:t>.</a:t>
-            </a:r>
-          </a:p>
-          <a:p>
-            <a:pPr marL="0" indent="0" defTabSz="825500">
-              <a:lnSpc>
-                <a:spcPct val="100000"/>
-              </a:lnSpc>
-              <a:spcBef>
-                <a:spcPts val="0"/>
-              </a:spcBef>
-              <a:buSzTx/>
-              <a:buNone/>
-              <a:defRPr b="1" sz="5500">
-                <a:solidFill>
-                  <a:schemeClr val="accent1"/>
-                </a:solidFill>
-              </a:defRPr>
-            </a:pPr>
-            <a:r>
-              <a:t>- </a:t>
-            </a:r>
-            <a:r>
-              <a:rPr>
-                <a:solidFill>
-                  <a:srgbClr val="FFFFFF"/>
-                </a:solidFill>
-              </a:rPr>
-              <a:t>Adopt</a:t>
-            </a:r>
-            <a:r>
-              <a:t>: Adoption by </a:t>
-            </a:r>
-            <a:r>
-              <a:rPr>
-                <a:solidFill>
-                  <a:srgbClr val="FFFFFF"/>
-                </a:solidFill>
-              </a:rPr>
-              <a:t>local governments</a:t>
-            </a:r>
-            <a:r>
-              <a:t> in various countries</a:t>
-            </a:r>
-          </a:p>
-          <a:p>
-            <a:pPr marL="0" indent="0" defTabSz="825500">
-              <a:lnSpc>
-                <a:spcPct val="100000"/>
-              </a:lnSpc>
-              <a:spcBef>
-                <a:spcPts val="0"/>
-              </a:spcBef>
-              <a:buSzTx/>
-              <a:buNone/>
-              <a:defRPr b="1" sz="5500">
-                <a:solidFill>
-                  <a:schemeClr val="accent1"/>
-                </a:solidFill>
-              </a:defRPr>
-            </a:pPr>
-            <a:r>
-              <a:t>- </a:t>
-            </a:r>
-            <a:r>
-              <a:rPr>
-                <a:solidFill>
-                  <a:srgbClr val="FFFFFF"/>
-                </a:solidFill>
-              </a:rPr>
-              <a:t>Report</a:t>
-            </a:r>
-            <a:r>
-              <a:t>: Ask your cc provider to report </a:t>
-            </a:r>
-            <a:r>
-              <a:rPr>
-                <a:solidFill>
-                  <a:srgbClr val="FFFFFF"/>
-                </a:solidFill>
-              </a:rPr>
-              <a:t>your usage</a:t>
-            </a:r>
-            <a:r>
-              <a:t> to BCB</a:t>
-            </a:r>
-          </a:p>
-          <a:p>
-            <a:pPr marL="0" indent="0" defTabSz="825500">
-              <a:lnSpc>
-                <a:spcPct val="100000"/>
-              </a:lnSpc>
-              <a:spcBef>
-                <a:spcPts val="0"/>
-              </a:spcBef>
-              <a:buSzTx/>
-              <a:buNone/>
-              <a:defRPr b="1" sz="5500">
-                <a:solidFill>
-                  <a:schemeClr val="accent1"/>
-                </a:solidFill>
-              </a:defRPr>
-            </a:pPr>
-            <a:r>
-              <a:t>- </a:t>
-            </a:r>
-            <a:r>
-              <a:rPr>
-                <a:solidFill>
-                  <a:srgbClr val="FFFFFF"/>
-                </a:solidFill>
-              </a:rPr>
-              <a:t>Enable</a:t>
-            </a:r>
-            <a:r>
-              <a:t>: World be a much more </a:t>
-            </a:r>
-            <a:r>
-              <a:rPr>
-                <a:solidFill>
-                  <a:srgbClr val="FFFFFF"/>
-                </a:solidFill>
-              </a:rPr>
-              <a:t>connected</a:t>
-            </a:r>
-            <a:r>
-              <a:t> place</a:t>
-            </a:r>
-          </a:p>
-          <a:p>
-            <a:pPr marL="0" indent="0" defTabSz="825500">
-              <a:lnSpc>
-                <a:spcPct val="100000"/>
-              </a:lnSpc>
-              <a:spcBef>
-                <a:spcPts val="0"/>
-              </a:spcBef>
-              <a:buSzTx/>
-              <a:buNone/>
-              <a:defRPr b="1" sz="5500">
-                <a:solidFill>
-                  <a:srgbClr val="FFFFFF"/>
-                </a:solidFill>
-              </a:defRPr>
-            </a:pPr>
-          </a:p>
-          <a:p>
-            <a:pPr marL="0" indent="0" defTabSz="825500">
-              <a:lnSpc>
-                <a:spcPct val="100000"/>
-              </a:lnSpc>
-              <a:spcBef>
-                <a:spcPts val="0"/>
-              </a:spcBef>
-              <a:buSzTx/>
-              <a:buNone/>
-              <a:defRPr b="1" sz="5500">
-                <a:solidFill>
-                  <a:srgbClr val="FFFFFF"/>
-                </a:solidFill>
-              </a:defRPr>
-            </a:pPr>
-          </a:p>
-          <a:p>
-            <a:pPr marL="0" indent="0" defTabSz="825500">
-              <a:lnSpc>
-                <a:spcPct val="100000"/>
-              </a:lnSpc>
-              <a:spcBef>
-                <a:spcPts val="0"/>
-              </a:spcBef>
-              <a:buSzTx/>
-              <a:buNone/>
-              <a:defRPr b="1" sz="5500">
-                <a:solidFill>
-                  <a:srgbClr val="FFFFFF"/>
-                </a:solidFill>
-              </a:defRPr>
-            </a:pPr>
-            <a:r>
-              <a:t>Questions? </a:t>
-            </a:r>
-            <a:r>
-              <a:rPr>
-                <a:solidFill>
-                  <a:schemeClr val="accent1"/>
-                </a:solidFill>
-              </a:rPr>
-              <a:t>Reach out to</a:t>
-            </a:r>
-            <a:r>
-              <a:t> shivam.rattan@georgebrown.ca</a:t>
-            </a:r>
-          </a:p>
-        </p:txBody>
-      </p:sp>
     </p:spTree>
   </p:cSld>
   <p:clrMapOvr>
@@ -5703,7 +5195,7 @@
         <p:spPr>
           <a:xfrm>
             <a:off x="1048763" y="3321267"/>
-            <a:ext cx="21757433" cy="4971067"/>
+            <a:ext cx="21757433" cy="4971066"/>
           </a:xfrm>
           <a:prstGeom prst="rect">
             <a:avLst/>
@@ -5976,7 +5468,7 @@
         <p:spPr>
           <a:xfrm>
             <a:off x="1659732" y="1636928"/>
-            <a:ext cx="21064536" cy="2759299"/>
+            <a:ext cx="21064536" cy="2759300"/>
           </a:xfrm>
           <a:prstGeom prst="rect">
             <a:avLst/>
@@ -6007,8 +5499,8 @@
         </p:nvSpPr>
         <p:spPr>
           <a:xfrm>
-            <a:off x="1206499" y="5537871"/>
-            <a:ext cx="22359798" cy="6541201"/>
+            <a:off x="1206499" y="5537872"/>
+            <a:ext cx="22359798" cy="6541200"/>
           </a:xfrm>
           <a:prstGeom prst="rect">
             <a:avLst/>
@@ -6280,7 +5772,7 @@
               </a:defRPr>
             </a:pPr>
             <a:r>
-              <a:t>Story time: There once was a </a:t>
+              <a:t>Story time: There once was </a:t>
             </a:r>
             <a:r>
               <a:rPr>
@@ -6288,7 +5780,7 @@
                   <a:srgbClr val="FFFFFF"/>
                 </a:solidFill>
               </a:rPr>
-              <a:t>an immigrant</a:t>
+              <a:t>a new immigrant</a:t>
             </a:r>
             <a:r>
               <a:t> name Shivam who </a:t>
@@ -6415,8 +5907,8 @@
         </p:nvSpPr>
         <p:spPr>
           <a:xfrm>
-            <a:off x="1386034" y="5132662"/>
-            <a:ext cx="21971002" cy="6339699"/>
+            <a:off x="1386034" y="5132663"/>
+            <a:ext cx="21971002" cy="6339698"/>
           </a:xfrm>
           <a:prstGeom prst="rect">
             <a:avLst/>
@@ -6672,8 +6164,8 @@
         </p:nvSpPr>
         <p:spPr>
           <a:xfrm>
-            <a:off x="13522124" y="3467351"/>
-            <a:ext cx="5435151" cy="7418903"/>
+            <a:off x="13522125" y="3467351"/>
+            <a:ext cx="5435150" cy="7418903"/>
           </a:xfrm>
           <a:prstGeom prst="rect">
             <a:avLst/>

--- a/Files/6. Better Credit Bureau - Shivam.pptx
+++ b/Files/6. Better Credit Bureau - Shivam.pptx
@@ -24,6 +24,8 @@
     <p:sldId id="269" r:id="rId21"/>
     <p:sldId id="270" r:id="rId22"/>
     <p:sldId id="271" r:id="rId23"/>
+    <p:sldId id="272" r:id="rId24"/>
+    <p:sldId id="273" r:id="rId25"/>
   </p:sldIdLst>
   <p:sldSz cx="24384000" cy="13716000"/>
   <p:notesSz cx="6858000" cy="9144000"/>
@@ -5128,6 +5130,421 @@
 </p:sld>
 </file>
 
+<file path=ppt/slides/slide17.xml><?xml version="1.0" encoding="utf-8"?>
+<p:sld xmlns:a="http://schemas.openxmlformats.org/drawingml/2006/main" xmlns:r="http://schemas.openxmlformats.org/officeDocument/2006/relationships" xmlns:p="http://schemas.openxmlformats.org/presentationml/2006/main" xmlns:m="http://schemas.openxmlformats.org/officeDocument/2006/math" xmlns:a14="http://schemas.microsoft.com/office/drawing/2010/main" showMasterSp="1" showMasterPhAnim="1">
+  <p:cSld>
+    <p:bg>
+      <p:bgPr>
+        <a:solidFill>
+          <a:srgbClr val="0076BA"/>
+        </a:solidFill>
+      </p:bgPr>
+    </p:bg>
+    <p:spTree>
+      <p:nvGrpSpPr>
+        <p:cNvPr id="1" name=""/>
+        <p:cNvGrpSpPr/>
+        <p:nvPr/>
+      </p:nvGrpSpPr>
+      <p:grpSpPr>
+        <a:xfrm>
+          <a:off x="0" y="0"/>
+          <a:ext cx="0" cy="0"/>
+          <a:chOff x="0" y="0"/>
+          <a:chExt cx="0" cy="0"/>
+        </a:xfrm>
+      </p:grpSpPr>
+      <p:sp>
+        <p:nvSpPr>
+          <p:cNvPr id="193" name="Timeline"/>
+          <p:cNvSpPr txBox="1"/>
+          <p:nvPr>
+            <p:ph type="title"/>
+          </p:nvPr>
+        </p:nvSpPr>
+        <p:spPr>
+          <a:xfrm>
+            <a:off x="1431397" y="5587936"/>
+            <a:ext cx="8555127" cy="2540126"/>
+          </a:xfrm>
+          <a:prstGeom prst="rect">
+            <a:avLst/>
+          </a:prstGeom>
+        </p:spPr>
+        <p:txBody>
+          <a:bodyPr/>
+          <a:lstStyle>
+            <a:lvl1pPr>
+              <a:defRPr spc="-300"/>
+            </a:lvl1pPr>
+          </a:lstStyle>
+          <a:p>
+            <a:pPr/>
+            <a:r>
+              <a:t>Timeline</a:t>
+            </a:r>
+          </a:p>
+        </p:txBody>
+      </p:sp>
+      <p:pic>
+        <p:nvPicPr>
+          <p:cNvPr id="194" name="Untitled.png" descr="Untitled.png"/>
+          <p:cNvPicPr>
+            <a:picLocks noChangeAspect="1"/>
+          </p:cNvPicPr>
+          <p:nvPr/>
+        </p:nvPicPr>
+        <p:blipFill>
+          <a:blip r:embed="rId2">
+            <a:extLst/>
+          </a:blip>
+          <a:stretch>
+            <a:fillRect/>
+          </a:stretch>
+        </p:blipFill>
+        <p:spPr>
+          <a:xfrm>
+            <a:off x="9328150" y="1263650"/>
+            <a:ext cx="5727700" cy="11188700"/>
+          </a:xfrm>
+          <a:prstGeom prst="rect">
+            <a:avLst/>
+          </a:prstGeom>
+          <a:ln w="12700">
+            <a:miter lim="400000"/>
+          </a:ln>
+        </p:spPr>
+      </p:pic>
+    </p:spTree>
+  </p:cSld>
+  <p:clrMapOvr>
+    <a:masterClrMapping/>
+  </p:clrMapOvr>
+  <p:transition xmlns:p14="http://schemas.microsoft.com/office/powerpoint/2010/main" spd="med" advClick="1"/>
+</p:sld>
+</file>
+
+<file path=ppt/slides/slide18.xml><?xml version="1.0" encoding="utf-8"?>
+<p:sld xmlns:a="http://schemas.openxmlformats.org/drawingml/2006/main" xmlns:r="http://schemas.openxmlformats.org/officeDocument/2006/relationships" xmlns:p="http://schemas.openxmlformats.org/presentationml/2006/main" xmlns:m="http://schemas.openxmlformats.org/officeDocument/2006/math" xmlns:a14="http://schemas.microsoft.com/office/drawing/2010/main" showMasterSp="1" showMasterPhAnim="1">
+  <p:cSld>
+    <p:bg>
+      <p:bgPr>
+        <a:solidFill>
+          <a:srgbClr val="0076BA"/>
+        </a:solidFill>
+      </p:bgPr>
+    </p:bg>
+    <p:spTree>
+      <p:nvGrpSpPr>
+        <p:cNvPr id="1" name=""/>
+        <p:cNvGrpSpPr/>
+        <p:nvPr/>
+      </p:nvGrpSpPr>
+      <p:grpSpPr>
+        <a:xfrm>
+          <a:off x="0" y="0"/>
+          <a:ext cx="0" cy="0"/>
+          <a:chOff x="0" y="0"/>
+          <a:chExt cx="0" cy="0"/>
+        </a:xfrm>
+      </p:grpSpPr>
+      <p:sp>
+        <p:nvSpPr>
+          <p:cNvPr id="196" name="Let bring the world closer by going F.A.R"/>
+          <p:cNvSpPr txBox="1"/>
+          <p:nvPr>
+            <p:ph type="title"/>
+          </p:nvPr>
+        </p:nvSpPr>
+        <p:spPr>
+          <a:xfrm>
+            <a:off x="1206497" y="500151"/>
+            <a:ext cx="21971006" cy="1905002"/>
+          </a:xfrm>
+          <a:prstGeom prst="rect">
+            <a:avLst/>
+          </a:prstGeom>
+        </p:spPr>
+        <p:txBody>
+          <a:bodyPr/>
+          <a:lstStyle/>
+          <a:p>
+            <a:pPr defTabSz="1999437">
+              <a:defRPr spc="-200" sz="9500">
+                <a:solidFill>
+                  <a:schemeClr val="accent1"/>
+                </a:solidFill>
+              </a:defRPr>
+            </a:pPr>
+            <a:r>
+              <a:t>Let bring the world </a:t>
+            </a:r>
+            <a:r>
+              <a:rPr>
+                <a:solidFill>
+                  <a:srgbClr val="FFFFFF"/>
+                </a:solidFill>
+              </a:rPr>
+              <a:t>closer</a:t>
+            </a:r>
+            <a:r>
+              <a:t> by going </a:t>
+            </a:r>
+            <a:r>
+              <a:rPr>
+                <a:solidFill>
+                  <a:srgbClr val="FFFFFF"/>
+                </a:solidFill>
+              </a:rPr>
+              <a:t>F.A.R</a:t>
+            </a:r>
+          </a:p>
+        </p:txBody>
+      </p:sp>
+      <p:sp>
+        <p:nvSpPr>
+          <p:cNvPr id="197" name="- Fund: $2 million for a 10% equity to aid development.…"/>
+          <p:cNvSpPr txBox="1"/>
+          <p:nvPr>
+            <p:ph type="body" idx="4294967295"/>
+          </p:nvPr>
+        </p:nvSpPr>
+        <p:spPr>
+          <a:xfrm>
+            <a:off x="1206500" y="3555241"/>
+            <a:ext cx="21971000" cy="6912848"/>
+          </a:xfrm>
+          <a:prstGeom prst="rect">
+            <a:avLst/>
+          </a:prstGeom>
+        </p:spPr>
+        <p:txBody>
+          <a:bodyPr numCol="1" spcCol="38100"/>
+          <a:lstStyle/>
+          <a:p>
+            <a:pPr marL="0" indent="0" defTabSz="825500">
+              <a:lnSpc>
+                <a:spcPct val="100000"/>
+              </a:lnSpc>
+              <a:spcBef>
+                <a:spcPts val="0"/>
+              </a:spcBef>
+              <a:buSzTx/>
+              <a:buNone/>
+              <a:defRPr b="1" sz="5500">
+                <a:solidFill>
+                  <a:schemeClr val="accent1"/>
+                </a:solidFill>
+              </a:defRPr>
+            </a:pPr>
+            <a:r>
+              <a:t>- </a:t>
+            </a:r>
+            <a:r>
+              <a:rPr>
+                <a:solidFill>
+                  <a:srgbClr val="FFFFFF"/>
+                </a:solidFill>
+              </a:rPr>
+              <a:t>Fund</a:t>
+            </a:r>
+            <a:r>
+              <a:t>: </a:t>
+            </a:r>
+            <a:r>
+              <a:rPr>
+                <a:solidFill>
+                  <a:srgbClr val="FFFFFF"/>
+                </a:solidFill>
+              </a:rPr>
+              <a:t>$2 million</a:t>
+            </a:r>
+            <a:r>
+              <a:t> for a </a:t>
+            </a:r>
+            <a:r>
+              <a:rPr>
+                <a:solidFill>
+                  <a:srgbClr val="FFFFFF"/>
+                </a:solidFill>
+              </a:rPr>
+              <a:t>10%</a:t>
+            </a:r>
+            <a:r>
+              <a:t> equity to aid </a:t>
+            </a:r>
+            <a:r>
+              <a:rPr>
+                <a:solidFill>
+                  <a:srgbClr val="FFFFFF"/>
+                </a:solidFill>
+              </a:rPr>
+              <a:t>development</a:t>
+            </a:r>
+            <a:r>
+              <a:t>.</a:t>
+            </a:r>
+          </a:p>
+          <a:p>
+            <a:pPr marL="0" indent="0" defTabSz="825500">
+              <a:lnSpc>
+                <a:spcPct val="100000"/>
+              </a:lnSpc>
+              <a:spcBef>
+                <a:spcPts val="0"/>
+              </a:spcBef>
+              <a:buSzTx/>
+              <a:buNone/>
+              <a:defRPr b="1" sz="5500">
+                <a:solidFill>
+                  <a:schemeClr val="accent1"/>
+                </a:solidFill>
+              </a:defRPr>
+            </a:pPr>
+            <a:r>
+              <a:t>- </a:t>
+            </a:r>
+            <a:r>
+              <a:rPr>
+                <a:solidFill>
+                  <a:srgbClr val="FFFFFF"/>
+                </a:solidFill>
+              </a:rPr>
+              <a:t>Adopt</a:t>
+            </a:r>
+            <a:r>
+              <a:t>: Adoption by </a:t>
+            </a:r>
+            <a:r>
+              <a:rPr>
+                <a:solidFill>
+                  <a:srgbClr val="FFFFFF"/>
+                </a:solidFill>
+              </a:rPr>
+              <a:t>local governments</a:t>
+            </a:r>
+            <a:r>
+              <a:t> in various countries</a:t>
+            </a:r>
+          </a:p>
+          <a:p>
+            <a:pPr marL="0" indent="0" defTabSz="825500">
+              <a:lnSpc>
+                <a:spcPct val="100000"/>
+              </a:lnSpc>
+              <a:spcBef>
+                <a:spcPts val="0"/>
+              </a:spcBef>
+              <a:buSzTx/>
+              <a:buNone/>
+              <a:defRPr b="1" sz="5500">
+                <a:solidFill>
+                  <a:schemeClr val="accent1"/>
+                </a:solidFill>
+              </a:defRPr>
+            </a:pPr>
+            <a:r>
+              <a:t>- </a:t>
+            </a:r>
+            <a:r>
+              <a:rPr>
+                <a:solidFill>
+                  <a:srgbClr val="FFFFFF"/>
+                </a:solidFill>
+              </a:rPr>
+              <a:t>Report</a:t>
+            </a:r>
+            <a:r>
+              <a:t>: Ask your cc provider to report </a:t>
+            </a:r>
+            <a:r>
+              <a:rPr>
+                <a:solidFill>
+                  <a:srgbClr val="FFFFFF"/>
+                </a:solidFill>
+              </a:rPr>
+              <a:t>your usage</a:t>
+            </a:r>
+            <a:r>
+              <a:t> to BCB</a:t>
+            </a:r>
+          </a:p>
+          <a:p>
+            <a:pPr marL="0" indent="0" defTabSz="825500">
+              <a:lnSpc>
+                <a:spcPct val="100000"/>
+              </a:lnSpc>
+              <a:spcBef>
+                <a:spcPts val="0"/>
+              </a:spcBef>
+              <a:buSzTx/>
+              <a:buNone/>
+              <a:defRPr b="1" sz="5500">
+                <a:solidFill>
+                  <a:srgbClr val="FFFFFF"/>
+                </a:solidFill>
+              </a:defRPr>
+            </a:pPr>
+          </a:p>
+          <a:p>
+            <a:pPr marL="0" indent="0" defTabSz="825500">
+              <a:lnSpc>
+                <a:spcPct val="100000"/>
+              </a:lnSpc>
+              <a:spcBef>
+                <a:spcPts val="0"/>
+              </a:spcBef>
+              <a:buSzTx/>
+              <a:buNone/>
+              <a:defRPr b="1" sz="5500">
+                <a:solidFill>
+                  <a:srgbClr val="FFFFFF"/>
+                </a:solidFill>
+              </a:defRPr>
+            </a:pPr>
+          </a:p>
+          <a:p>
+            <a:pPr marL="0" indent="0" defTabSz="825500">
+              <a:lnSpc>
+                <a:spcPct val="100000"/>
+              </a:lnSpc>
+              <a:spcBef>
+                <a:spcPts val="0"/>
+              </a:spcBef>
+              <a:buSzTx/>
+              <a:buNone/>
+              <a:defRPr b="1" sz="5500">
+                <a:solidFill>
+                  <a:srgbClr val="FFFFFF"/>
+                </a:solidFill>
+              </a:defRPr>
+            </a:pPr>
+            <a:r>
+              <a:t>Questions? </a:t>
+            </a:r>
+            <a:r>
+              <a:rPr>
+                <a:solidFill>
+                  <a:schemeClr val="accent1"/>
+                </a:solidFill>
+              </a:rPr>
+              <a:t>Reach out to</a:t>
+            </a:r>
+            <a:r>
+              <a:t> shivam.rattan@georgebrown.ca</a:t>
+            </a:r>
+          </a:p>
+        </p:txBody>
+      </p:sp>
+    </p:spTree>
+  </p:cSld>
+  <p:clrMapOvr>
+    <a:masterClrMapping/>
+  </p:clrMapOvr>
+  <p:transition xmlns:p14="http://schemas.microsoft.com/office/powerpoint/2010/main" spd="med" advClick="1"/>
+</p:sld>
+</file>
+
 <file path=ppt/slides/slide2.xml><?xml version="1.0" encoding="utf-8"?>
 <p:sld xmlns:a="http://schemas.openxmlformats.org/drawingml/2006/main" xmlns:r="http://schemas.openxmlformats.org/officeDocument/2006/relationships" xmlns:p="http://schemas.openxmlformats.org/presentationml/2006/main" xmlns:m="http://schemas.openxmlformats.org/officeDocument/2006/math" xmlns:a14="http://schemas.microsoft.com/office/drawing/2010/main" showMasterSp="1" showMasterPhAnim="1">
   <p:cSld>
